--- a/全然向你(崇拜版).pptx
+++ b/全然向你(崇拜版).pptx
@@ -9,7 +9,7 @@
     <p:sldId id="257" r:id="rId3"/>
     <p:sldId id="258" r:id="rId4"/>
   </p:sldIdLst>
-  <p:sldSz cx="9144000" cy="6858000" type="screen4x3"/>
+  <p:sldSz cx="12192000" cy="6858000"/>
   <p:notesSz cx="6858000" cy="9144000"/>
   <p:defaultTextStyle>
     <a:defPPr>
@@ -106,6 +106,22 @@
       </a:defRPr>
     </a:lvl9pPr>
   </p:defaultTextStyle>
+  <p:extLst>
+    <p:ext uri="{EFAFB233-063F-42B5-8137-9DF3F51BA10A}">
+      <p15:sldGuideLst xmlns:p15="http://schemas.microsoft.com/office/powerpoint/2012/main">
+        <p15:guide id="1" orient="horz" pos="2160" userDrawn="1">
+          <p15:clr>
+            <a:srgbClr val="A4A3A4"/>
+          </p15:clr>
+        </p15:guide>
+        <p15:guide id="2" pos="3840" userDrawn="1">
+          <p15:clr>
+            <a:srgbClr val="A4A3A4"/>
+          </p15:clr>
+        </p15:guide>
+      </p15:sldGuideLst>
+    </p:ext>
+  </p:extLst>
 </p:presentation>
 </file>
 
@@ -138,8 +154,8 @@
         </p:nvSpPr>
         <p:spPr>
           <a:xfrm>
-            <a:off x="685800" y="2130425"/>
-            <a:ext cx="7772400" cy="1470025"/>
+            <a:off x="914400" y="2130426"/>
+            <a:ext cx="10363200" cy="1470025"/>
           </a:xfrm>
         </p:spPr>
         <p:txBody>
@@ -166,8 +182,8 @@
         </p:nvSpPr>
         <p:spPr>
           <a:xfrm>
-            <a:off x="1371600" y="3886200"/>
-            <a:ext cx="6400800" cy="1752600"/>
+            <a:off x="1828800" y="3886200"/>
+            <a:ext cx="8534400" cy="1752600"/>
           </a:xfrm>
         </p:spPr>
         <p:txBody>
@@ -290,7 +306,7 @@
           <a:p>
             <a:fld id="{90E6F053-0252-461E-AE20-312307FEBCCD}" type="datetimeFigureOut">
               <a:rPr lang="zh-TW" altLang="en-US" smtClean="0"/>
-              <a:t>2018/9/15</a:t>
+              <a:t>2020/2/1</a:t>
             </a:fld>
             <a:endParaRPr lang="zh-TW" altLang="en-US"/>
           </a:p>
@@ -455,7 +471,7 @@
           <a:p>
             <a:fld id="{90E6F053-0252-461E-AE20-312307FEBCCD}" type="datetimeFigureOut">
               <a:rPr lang="zh-TW" altLang="en-US" smtClean="0"/>
-              <a:t>2018/9/15</a:t>
+              <a:t>2020/2/1</a:t>
             </a:fld>
             <a:endParaRPr lang="zh-TW" altLang="en-US"/>
           </a:p>
@@ -540,8 +556,8 @@
         </p:nvSpPr>
         <p:spPr>
           <a:xfrm>
-            <a:off x="6629400" y="274638"/>
-            <a:ext cx="2057400" cy="5851525"/>
+            <a:off x="8839200" y="274639"/>
+            <a:ext cx="2743200" cy="5851525"/>
           </a:xfrm>
         </p:spPr>
         <p:txBody>
@@ -568,8 +584,8 @@
         </p:nvSpPr>
         <p:spPr>
           <a:xfrm>
-            <a:off x="457200" y="274638"/>
-            <a:ext cx="6019800" cy="5851525"/>
+            <a:off x="609600" y="274639"/>
+            <a:ext cx="8026400" cy="5851525"/>
           </a:xfrm>
         </p:spPr>
         <p:txBody>
@@ -630,7 +646,7 @@
           <a:p>
             <a:fld id="{90E6F053-0252-461E-AE20-312307FEBCCD}" type="datetimeFigureOut">
               <a:rPr lang="zh-TW" altLang="en-US" smtClean="0"/>
-              <a:t>2018/9/15</a:t>
+              <a:t>2020/2/1</a:t>
             </a:fld>
             <a:endParaRPr lang="zh-TW" altLang="en-US"/>
           </a:p>
@@ -795,7 +811,7 @@
           <a:p>
             <a:fld id="{90E6F053-0252-461E-AE20-312307FEBCCD}" type="datetimeFigureOut">
               <a:rPr lang="zh-TW" altLang="en-US" smtClean="0"/>
-              <a:t>2018/9/15</a:t>
+              <a:t>2020/2/1</a:t>
             </a:fld>
             <a:endParaRPr lang="zh-TW" altLang="en-US"/>
           </a:p>
@@ -880,8 +896,8 @@
         </p:nvSpPr>
         <p:spPr>
           <a:xfrm>
-            <a:off x="722313" y="4406900"/>
-            <a:ext cx="7772400" cy="1362075"/>
+            <a:off x="963084" y="4406901"/>
+            <a:ext cx="10363200" cy="1362075"/>
           </a:xfrm>
         </p:spPr>
         <p:txBody>
@@ -912,8 +928,8 @@
         </p:nvSpPr>
         <p:spPr>
           <a:xfrm>
-            <a:off x="722313" y="2906713"/>
-            <a:ext cx="7772400" cy="1500187"/>
+            <a:off x="963084" y="2906713"/>
+            <a:ext cx="10363200" cy="1500187"/>
           </a:xfrm>
         </p:spPr>
         <p:txBody>
@@ -1036,7 +1052,7 @@
           <a:p>
             <a:fld id="{90E6F053-0252-461E-AE20-312307FEBCCD}" type="datetimeFigureOut">
               <a:rPr lang="zh-TW" altLang="en-US" smtClean="0"/>
-              <a:t>2018/9/15</a:t>
+              <a:t>2020/2/1</a:t>
             </a:fld>
             <a:endParaRPr lang="zh-TW" altLang="en-US"/>
           </a:p>
@@ -1144,8 +1160,8 @@
         </p:nvSpPr>
         <p:spPr>
           <a:xfrm>
-            <a:off x="457200" y="1600200"/>
-            <a:ext cx="4038600" cy="4525963"/>
+            <a:off x="609600" y="1600201"/>
+            <a:ext cx="5384800" cy="4525963"/>
           </a:xfrm>
         </p:spPr>
         <p:txBody>
@@ -1229,8 +1245,8 @@
         </p:nvSpPr>
         <p:spPr>
           <a:xfrm>
-            <a:off x="4648200" y="1600200"/>
-            <a:ext cx="4038600" cy="4525963"/>
+            <a:off x="6197600" y="1600201"/>
+            <a:ext cx="5384800" cy="4525963"/>
           </a:xfrm>
         </p:spPr>
         <p:txBody>
@@ -1319,7 +1335,7 @@
           <a:p>
             <a:fld id="{90E6F053-0252-461E-AE20-312307FEBCCD}" type="datetimeFigureOut">
               <a:rPr lang="zh-TW" altLang="en-US" smtClean="0"/>
-              <a:t>2018/9/15</a:t>
+              <a:t>2020/2/1</a:t>
             </a:fld>
             <a:endParaRPr lang="zh-TW" altLang="en-US"/>
           </a:p>
@@ -1431,8 +1447,8 @@
         </p:nvSpPr>
         <p:spPr>
           <a:xfrm>
-            <a:off x="457200" y="1535113"/>
-            <a:ext cx="4040188" cy="639762"/>
+            <a:off x="609600" y="1535113"/>
+            <a:ext cx="5386917" cy="639762"/>
           </a:xfrm>
         </p:spPr>
         <p:txBody>
@@ -1496,8 +1512,8 @@
         </p:nvSpPr>
         <p:spPr>
           <a:xfrm>
-            <a:off x="457200" y="2174875"/>
-            <a:ext cx="4040188" cy="3951288"/>
+            <a:off x="609600" y="2174875"/>
+            <a:ext cx="5386917" cy="3951288"/>
           </a:xfrm>
         </p:spPr>
         <p:txBody>
@@ -1581,8 +1597,8 @@
         </p:nvSpPr>
         <p:spPr>
           <a:xfrm>
-            <a:off x="4645025" y="1535113"/>
-            <a:ext cx="4041775" cy="639762"/>
+            <a:off x="6193368" y="1535113"/>
+            <a:ext cx="5389033" cy="639762"/>
           </a:xfrm>
         </p:spPr>
         <p:txBody>
@@ -1646,8 +1662,8 @@
         </p:nvSpPr>
         <p:spPr>
           <a:xfrm>
-            <a:off x="4645025" y="2174875"/>
-            <a:ext cx="4041775" cy="3951288"/>
+            <a:off x="6193368" y="2174875"/>
+            <a:ext cx="5389033" cy="3951288"/>
           </a:xfrm>
         </p:spPr>
         <p:txBody>
@@ -1736,7 +1752,7 @@
           <a:p>
             <a:fld id="{90E6F053-0252-461E-AE20-312307FEBCCD}" type="datetimeFigureOut">
               <a:rPr lang="zh-TW" altLang="en-US" smtClean="0"/>
-              <a:t>2018/9/15</a:t>
+              <a:t>2020/2/1</a:t>
             </a:fld>
             <a:endParaRPr lang="zh-TW" altLang="en-US"/>
           </a:p>
@@ -1849,7 +1865,7 @@
           <a:p>
             <a:fld id="{90E6F053-0252-461E-AE20-312307FEBCCD}" type="datetimeFigureOut">
               <a:rPr lang="zh-TW" altLang="en-US" smtClean="0"/>
-              <a:t>2018/9/15</a:t>
+              <a:t>2020/2/1</a:t>
             </a:fld>
             <a:endParaRPr lang="zh-TW" altLang="en-US"/>
           </a:p>
@@ -1939,7 +1955,7 @@
           <a:p>
             <a:fld id="{90E6F053-0252-461E-AE20-312307FEBCCD}" type="datetimeFigureOut">
               <a:rPr lang="zh-TW" altLang="en-US" smtClean="0"/>
-              <a:t>2018/9/15</a:t>
+              <a:t>2020/2/1</a:t>
             </a:fld>
             <a:endParaRPr lang="zh-TW" altLang="en-US"/>
           </a:p>
@@ -2024,8 +2040,8 @@
         </p:nvSpPr>
         <p:spPr>
           <a:xfrm>
-            <a:off x="457200" y="273050"/>
-            <a:ext cx="3008313" cy="1162050"/>
+            <a:off x="609601" y="273050"/>
+            <a:ext cx="4011084" cy="1162050"/>
           </a:xfrm>
         </p:spPr>
         <p:txBody>
@@ -2056,8 +2072,8 @@
         </p:nvSpPr>
         <p:spPr>
           <a:xfrm>
-            <a:off x="3575050" y="273050"/>
-            <a:ext cx="5111750" cy="5853113"/>
+            <a:off x="4766733" y="273051"/>
+            <a:ext cx="6815667" cy="5853113"/>
           </a:xfrm>
         </p:spPr>
         <p:txBody>
@@ -2141,8 +2157,8 @@
         </p:nvSpPr>
         <p:spPr>
           <a:xfrm>
-            <a:off x="457200" y="1435100"/>
-            <a:ext cx="3008313" cy="4691063"/>
+            <a:off x="609601" y="1435101"/>
+            <a:ext cx="4011084" cy="4691063"/>
           </a:xfrm>
         </p:spPr>
         <p:txBody>
@@ -2211,7 +2227,7 @@
           <a:p>
             <a:fld id="{90E6F053-0252-461E-AE20-312307FEBCCD}" type="datetimeFigureOut">
               <a:rPr lang="zh-TW" altLang="en-US" smtClean="0"/>
-              <a:t>2018/9/15</a:t>
+              <a:t>2020/2/1</a:t>
             </a:fld>
             <a:endParaRPr lang="zh-TW" altLang="en-US"/>
           </a:p>
@@ -2296,8 +2312,8 @@
         </p:nvSpPr>
         <p:spPr>
           <a:xfrm>
-            <a:off x="1792288" y="4800600"/>
-            <a:ext cx="5486400" cy="566738"/>
+            <a:off x="2389717" y="4800600"/>
+            <a:ext cx="7315200" cy="566738"/>
           </a:xfrm>
         </p:spPr>
         <p:txBody>
@@ -2328,8 +2344,8 @@
         </p:nvSpPr>
         <p:spPr>
           <a:xfrm>
-            <a:off x="1792288" y="612775"/>
-            <a:ext cx="5486400" cy="4114800"/>
+            <a:off x="2389717" y="612775"/>
+            <a:ext cx="7315200" cy="4114800"/>
           </a:xfrm>
         </p:spPr>
         <p:txBody>
@@ -2393,8 +2409,8 @@
         </p:nvSpPr>
         <p:spPr>
           <a:xfrm>
-            <a:off x="1792288" y="5367338"/>
-            <a:ext cx="5486400" cy="804862"/>
+            <a:off x="2389717" y="5367338"/>
+            <a:ext cx="7315200" cy="804862"/>
           </a:xfrm>
         </p:spPr>
         <p:txBody>
@@ -2463,7 +2479,7 @@
           <a:p>
             <a:fld id="{90E6F053-0252-461E-AE20-312307FEBCCD}" type="datetimeFigureOut">
               <a:rPr lang="zh-TW" altLang="en-US" smtClean="0"/>
-              <a:t>2018/9/15</a:t>
+              <a:t>2020/2/1</a:t>
             </a:fld>
             <a:endParaRPr lang="zh-TW" altLang="en-US"/>
           </a:p>
@@ -2558,8 +2574,8 @@
         </p:nvSpPr>
         <p:spPr>
           <a:xfrm>
-            <a:off x="457200" y="274638"/>
-            <a:ext cx="8229600" cy="1143000"/>
+            <a:off x="609600" y="274638"/>
+            <a:ext cx="10972800" cy="1143000"/>
           </a:xfrm>
           <a:prstGeom prst="rect">
             <a:avLst/>
@@ -2591,8 +2607,8 @@
         </p:nvSpPr>
         <p:spPr>
           <a:xfrm>
-            <a:off x="457200" y="1600200"/>
-            <a:ext cx="8229600" cy="4525963"/>
+            <a:off x="609600" y="1600201"/>
+            <a:ext cx="10972800" cy="4525963"/>
           </a:xfrm>
           <a:prstGeom prst="rect">
             <a:avLst/>
@@ -2653,8 +2669,8 @@
         </p:nvSpPr>
         <p:spPr>
           <a:xfrm>
-            <a:off x="457200" y="6356350"/>
-            <a:ext cx="2133600" cy="365125"/>
+            <a:off x="609600" y="6356351"/>
+            <a:ext cx="2844800" cy="365125"/>
           </a:xfrm>
           <a:prstGeom prst="rect">
             <a:avLst/>
@@ -2676,7 +2692,7 @@
           <a:p>
             <a:fld id="{90E6F053-0252-461E-AE20-312307FEBCCD}" type="datetimeFigureOut">
               <a:rPr lang="zh-TW" altLang="en-US" smtClean="0"/>
-              <a:t>2018/9/15</a:t>
+              <a:t>2020/2/1</a:t>
             </a:fld>
             <a:endParaRPr lang="zh-TW" altLang="en-US"/>
           </a:p>
@@ -2694,8 +2710,8 @@
         </p:nvSpPr>
         <p:spPr>
           <a:xfrm>
-            <a:off x="3124200" y="6356350"/>
-            <a:ext cx="2895600" cy="365125"/>
+            <a:off x="4165600" y="6356351"/>
+            <a:ext cx="3860800" cy="365125"/>
           </a:xfrm>
           <a:prstGeom prst="rect">
             <a:avLst/>
@@ -2731,8 +2747,8 @@
         </p:nvSpPr>
         <p:spPr>
           <a:xfrm>
-            <a:off x="6553200" y="6356350"/>
-            <a:ext cx="2133600" cy="365125"/>
+            <a:off x="8737600" y="6356351"/>
+            <a:ext cx="2844800" cy="365125"/>
           </a:xfrm>
           <a:prstGeom prst="rect">
             <a:avLst/>
@@ -3058,7 +3074,7 @@
         </p:nvSpPr>
         <p:spPr>
           <a:xfrm>
-            <a:off x="457200" y="0"/>
+            <a:off x="1981200" y="0"/>
             <a:ext cx="8229600" cy="1417638"/>
           </a:xfrm>
         </p:spPr>
@@ -3074,7 +3090,27 @@
                 <a:latin typeface="微軟正黑體" pitchFamily="34" charset="-120"/>
                 <a:ea typeface="微軟正黑體" pitchFamily="34" charset="-120"/>
               </a:rPr>
-              <a:t>全然向你</a:t>
+              <a:t>全然</a:t>
+            </a:r>
+            <a:r>
+              <a:rPr lang="zh-TW" altLang="en-US" b="1" dirty="0" smtClean="0">
+                <a:solidFill>
+                  <a:srgbClr val="660033"/>
+                </a:solidFill>
+                <a:latin typeface="微軟正黑體" pitchFamily="34" charset="-120"/>
+                <a:ea typeface="微軟正黑體" pitchFamily="34" charset="-120"/>
+              </a:rPr>
+              <a:t>向</a:t>
+            </a:r>
+            <a:r>
+              <a:rPr lang="zh-CN" altLang="en-US" b="1" dirty="0" smtClean="0">
+                <a:solidFill>
+                  <a:srgbClr val="660033"/>
+                </a:solidFill>
+                <a:latin typeface="微軟正黑體" pitchFamily="34" charset="-120"/>
+                <a:ea typeface="微軟正黑體" pitchFamily="34" charset="-120"/>
+              </a:rPr>
+              <a:t>袮</a:t>
             </a:r>
             <a:endParaRPr lang="zh-TW" altLang="en-US" b="1" dirty="0">
               <a:solidFill>
@@ -3107,7 +3143,7 @@
               <a:buNone/>
             </a:pPr>
             <a:r>
-              <a:rPr lang="zh-TW" altLang="en-US" sz="5400" b="1" dirty="0" smtClean="0">
+              <a:rPr lang="zh-TW" altLang="en-US" sz="5400" b="1" dirty="0">
                 <a:solidFill>
                   <a:srgbClr val="660033"/>
                 </a:solidFill>
@@ -3116,7 +3152,7 @@
               </a:rPr>
               <a:t>當讚美的旋律響起</a:t>
             </a:r>
-            <a:endParaRPr lang="en-US" altLang="zh-TW" sz="5400" b="1" dirty="0" smtClean="0">
+            <a:endParaRPr lang="en-US" altLang="zh-TW" sz="5400" b="1" dirty="0">
               <a:solidFill>
                 <a:srgbClr val="660033"/>
               </a:solidFill>
@@ -3129,16 +3165,36 @@
               <a:buNone/>
             </a:pPr>
             <a:r>
-              <a:rPr lang="zh-TW" altLang="en-US" sz="5400" b="1" dirty="0" smtClean="0">
+              <a:rPr lang="zh-TW" altLang="en-US" sz="5400" b="1" dirty="0">
                 <a:solidFill>
                   <a:srgbClr val="660033"/>
                 </a:solidFill>
                 <a:latin typeface="微軟正黑體" pitchFamily="34" charset="-120"/>
                 <a:ea typeface="微軟正黑體" pitchFamily="34" charset="-120"/>
               </a:rPr>
-              <a:t>我的心全然向你</a:t>
-            </a:r>
-            <a:endParaRPr lang="en-US" altLang="zh-TW" sz="5400" b="1" dirty="0" smtClean="0">
+              <a:t>我的心全然</a:t>
+            </a:r>
+            <a:r>
+              <a:rPr lang="zh-TW" altLang="en-US" sz="5400" b="1" dirty="0" smtClean="0">
+                <a:solidFill>
+                  <a:srgbClr val="660033"/>
+                </a:solidFill>
+                <a:latin typeface="微軟正黑體" pitchFamily="34" charset="-120"/>
+                <a:ea typeface="微軟正黑體" pitchFamily="34" charset="-120"/>
+              </a:rPr>
+              <a:t>向</a:t>
+            </a:r>
+            <a:r>
+              <a:rPr lang="zh-CN" altLang="en-US" sz="5400" b="1" dirty="0">
+                <a:solidFill>
+                  <a:srgbClr val="660033"/>
+                </a:solidFill>
+                <a:latin typeface="微軟正黑體" pitchFamily="34" charset="-120"/>
+                <a:ea typeface="微軟正黑體" pitchFamily="34" charset="-120"/>
+              </a:rPr>
+              <a:t>袮</a:t>
+            </a:r>
+            <a:endParaRPr lang="en-US" altLang="zh-TW" sz="5400" b="1" dirty="0">
               <a:solidFill>
                 <a:srgbClr val="660033"/>
               </a:solidFill>
@@ -3151,7 +3207,7 @@
               <a:buNone/>
             </a:pPr>
             <a:r>
-              <a:rPr lang="zh-TW" altLang="en-US" sz="5400" b="1" dirty="0" smtClean="0">
+              <a:rPr lang="zh-TW" altLang="en-US" sz="5400" b="1" dirty="0">
                 <a:solidFill>
                   <a:srgbClr val="660033"/>
                 </a:solidFill>
@@ -3160,7 +3216,7 @@
               </a:rPr>
               <a:t>當聖靈的恩膏滿溢</a:t>
             </a:r>
-            <a:endParaRPr lang="en-US" altLang="zh-TW" sz="5400" b="1" dirty="0" smtClean="0">
+            <a:endParaRPr lang="en-US" altLang="zh-TW" sz="5400" b="1" dirty="0">
               <a:solidFill>
                 <a:srgbClr val="660033"/>
               </a:solidFill>
@@ -3173,7 +3229,7 @@
               <a:buNone/>
             </a:pPr>
             <a:r>
-              <a:rPr lang="zh-TW" altLang="en-US" sz="5400" b="1" dirty="0" smtClean="0">
+              <a:rPr lang="zh-TW" altLang="en-US" sz="5400" b="1" dirty="0">
                 <a:solidFill>
                   <a:srgbClr val="660033"/>
                 </a:solidFill>
@@ -3229,7 +3285,7 @@
         </p:nvSpPr>
         <p:spPr>
           <a:xfrm>
-            <a:off x="457200" y="0"/>
+            <a:off x="1981200" y="0"/>
             <a:ext cx="8229600" cy="1417638"/>
           </a:xfrm>
         </p:spPr>
@@ -3245,7 +3301,27 @@
                 <a:latin typeface="微軟正黑體" pitchFamily="34" charset="-120"/>
                 <a:ea typeface="微軟正黑體" pitchFamily="34" charset="-120"/>
               </a:rPr>
-              <a:t>全然向你</a:t>
+              <a:t>全然</a:t>
+            </a:r>
+            <a:r>
+              <a:rPr lang="zh-TW" altLang="en-US" b="1" dirty="0" smtClean="0">
+                <a:solidFill>
+                  <a:srgbClr val="660033"/>
+                </a:solidFill>
+                <a:latin typeface="微軟正黑體" pitchFamily="34" charset="-120"/>
+                <a:ea typeface="微軟正黑體" pitchFamily="34" charset="-120"/>
+              </a:rPr>
+              <a:t>向</a:t>
+            </a:r>
+            <a:r>
+              <a:rPr lang="zh-CN" altLang="en-US" b="1" dirty="0">
+                <a:solidFill>
+                  <a:srgbClr val="660033"/>
+                </a:solidFill>
+                <a:latin typeface="微軟正黑體" pitchFamily="34" charset="-120"/>
+                <a:ea typeface="微軟正黑體" pitchFamily="34" charset="-120"/>
+              </a:rPr>
+              <a:t>袮</a:t>
             </a:r>
             <a:endParaRPr lang="zh-TW" altLang="en-US" b="1" dirty="0">
               <a:solidFill>
@@ -3278,7 +3354,7 @@
               <a:buNone/>
             </a:pPr>
             <a:r>
-              <a:rPr lang="zh-TW" altLang="en-US" sz="5400" b="1" dirty="0" smtClean="0">
+              <a:rPr lang="zh-TW" altLang="en-US" sz="5400" b="1" dirty="0">
                 <a:solidFill>
                   <a:srgbClr val="660033"/>
                 </a:solidFill>
@@ -3287,7 +3363,7 @@
               </a:rPr>
               <a:t>讚美的輕泉如春雨沐浴</a:t>
             </a:r>
-            <a:endParaRPr lang="en-US" altLang="zh-TW" sz="5400" b="1" dirty="0" smtClean="0">
+            <a:endParaRPr lang="en-US" altLang="zh-TW" sz="5400" b="1" dirty="0">
               <a:solidFill>
                 <a:srgbClr val="660033"/>
               </a:solidFill>
@@ -3300,7 +3376,7 @@
               <a:buNone/>
             </a:pPr>
             <a:r>
-              <a:rPr lang="zh-TW" altLang="en-US" sz="5400" b="1" dirty="0" smtClean="0">
+              <a:rPr lang="zh-TW" altLang="en-US" sz="5400" b="1" dirty="0">
                 <a:solidFill>
                   <a:srgbClr val="660033"/>
                 </a:solidFill>
@@ -3309,7 +3385,7 @@
               </a:rPr>
               <a:t>我心中的喜樂川流不息</a:t>
             </a:r>
-            <a:endParaRPr lang="en-US" altLang="zh-TW" sz="5400" b="1" dirty="0" smtClean="0">
+            <a:endParaRPr lang="en-US" altLang="zh-TW" sz="5400" b="1" dirty="0">
               <a:solidFill>
                 <a:srgbClr val="660033"/>
               </a:solidFill>
@@ -3322,7 +3398,7 @@
               <a:buNone/>
             </a:pPr>
             <a:r>
-              <a:rPr lang="zh-TW" altLang="en-US" sz="5400" b="1" dirty="0" smtClean="0">
+              <a:rPr lang="zh-TW" altLang="en-US" sz="5400" b="1" dirty="0">
                 <a:solidFill>
                   <a:srgbClr val="660033"/>
                 </a:solidFill>
@@ -3331,7 +3407,7 @@
               </a:rPr>
               <a:t>讚美的音符如雪花飄逸</a:t>
             </a:r>
-            <a:endParaRPr lang="en-US" altLang="zh-TW" sz="5400" b="1" dirty="0" smtClean="0">
+            <a:endParaRPr lang="en-US" altLang="zh-TW" sz="5400" b="1" dirty="0">
               <a:solidFill>
                 <a:srgbClr val="660033"/>
               </a:solidFill>
@@ -3344,7 +3420,7 @@
               <a:buNone/>
             </a:pPr>
             <a:r>
-              <a:rPr lang="zh-TW" altLang="en-US" sz="5400" b="1" dirty="0" smtClean="0">
+              <a:rPr lang="zh-TW" altLang="en-US" sz="5400" b="1" dirty="0">
                 <a:solidFill>
                   <a:srgbClr val="660033"/>
                 </a:solidFill>
@@ -3393,7 +3469,7 @@
         </p:nvSpPr>
         <p:spPr>
           <a:xfrm>
-            <a:off x="457200" y="0"/>
+            <a:off x="1981200" y="0"/>
             <a:ext cx="8229600" cy="1417638"/>
           </a:xfrm>
         </p:spPr>
@@ -3409,7 +3485,27 @@
                 <a:latin typeface="微軟正黑體" pitchFamily="34" charset="-120"/>
                 <a:ea typeface="微軟正黑體" pitchFamily="34" charset="-120"/>
               </a:rPr>
-              <a:t>全然向你</a:t>
+              <a:t>全然</a:t>
+            </a:r>
+            <a:r>
+              <a:rPr lang="zh-TW" altLang="en-US" b="1" dirty="0" smtClean="0">
+                <a:solidFill>
+                  <a:srgbClr val="660033"/>
+                </a:solidFill>
+                <a:latin typeface="微軟正黑體" pitchFamily="34" charset="-120"/>
+                <a:ea typeface="微軟正黑體" pitchFamily="34" charset="-120"/>
+              </a:rPr>
+              <a:t>向</a:t>
+            </a:r>
+            <a:r>
+              <a:rPr lang="zh-CN" altLang="en-US" b="1" dirty="0">
+                <a:solidFill>
+                  <a:srgbClr val="660033"/>
+                </a:solidFill>
+                <a:latin typeface="微軟正黑體" pitchFamily="34" charset="-120"/>
+                <a:ea typeface="微軟正黑體" pitchFamily="34" charset="-120"/>
+              </a:rPr>
+              <a:t>袮</a:t>
             </a:r>
             <a:endParaRPr lang="zh-TW" altLang="en-US" b="1" dirty="0">
               <a:solidFill>
@@ -3433,7 +3529,7 @@
         </p:nvSpPr>
         <p:spPr>
           <a:xfrm>
-            <a:off x="457200" y="1142984"/>
+            <a:off x="1981200" y="1142984"/>
             <a:ext cx="8229600" cy="5715016"/>
           </a:xfrm>
         </p:spPr>
@@ -3447,16 +3543,56 @@
               <a:buNone/>
             </a:pPr>
             <a:r>
-              <a:rPr lang="zh-TW" altLang="en-US" sz="5400" b="1" dirty="0" smtClean="0">
+              <a:rPr lang="zh-TW" altLang="en-US" sz="5400" b="1" dirty="0">
                 <a:solidFill>
                   <a:srgbClr val="660033"/>
                 </a:solidFill>
                 <a:latin typeface="微軟正黑體" pitchFamily="34" charset="-120"/>
                 <a:ea typeface="微軟正黑體" pitchFamily="34" charset="-120"/>
               </a:rPr>
-              <a:t>我要開口向你讚美稱謝</a:t>
-            </a:r>
-            <a:endParaRPr lang="en-US" altLang="zh-TW" sz="5400" b="1" dirty="0" smtClean="0">
+              <a:t>我要開口</a:t>
+            </a:r>
+            <a:r>
+              <a:rPr lang="zh-TW" altLang="en-US" sz="5400" b="1" dirty="0" smtClean="0">
+                <a:solidFill>
+                  <a:srgbClr val="660033"/>
+                </a:solidFill>
+                <a:latin typeface="微軟正黑體" pitchFamily="34" charset="-120"/>
+                <a:ea typeface="微軟正黑體" pitchFamily="34" charset="-120"/>
+              </a:rPr>
+              <a:t>向</a:t>
+            </a:r>
+            <a:r>
+              <a:rPr lang="zh-CN" altLang="en-US" sz="5400" b="1" dirty="0">
+                <a:solidFill>
+                  <a:srgbClr val="660033"/>
+                </a:solidFill>
+                <a:latin typeface="微軟正黑體" pitchFamily="34" charset="-120"/>
+                <a:ea typeface="微軟正黑體" pitchFamily="34" charset="-120"/>
+              </a:rPr>
+              <a:t>袮</a:t>
+            </a:r>
+            <a:r>
+              <a:rPr lang="zh-TW" altLang="en-US" sz="5400" b="1" dirty="0" smtClean="0">
+                <a:solidFill>
+                  <a:srgbClr val="660033"/>
+                </a:solidFill>
+                <a:latin typeface="微軟正黑體" pitchFamily="34" charset="-120"/>
+                <a:ea typeface="微軟正黑體" pitchFamily="34" charset="-120"/>
+              </a:rPr>
+              <a:t>讚</a:t>
+            </a:r>
+            <a:r>
+              <a:rPr lang="zh-TW" altLang="en-US" sz="5400" b="1" dirty="0">
+                <a:solidFill>
+                  <a:srgbClr val="660033"/>
+                </a:solidFill>
+                <a:latin typeface="微軟正黑體" pitchFamily="34" charset="-120"/>
+                <a:ea typeface="微軟正黑體" pitchFamily="34" charset="-120"/>
+              </a:rPr>
+              <a:t>美稱謝</a:t>
+            </a:r>
+            <a:endParaRPr lang="en-US" altLang="zh-TW" sz="5400" b="1" dirty="0">
               <a:solidFill>
                 <a:srgbClr val="660033"/>
               </a:solidFill>
@@ -3469,7 +3605,7 @@
               <a:buNone/>
             </a:pPr>
             <a:r>
-              <a:rPr lang="zh-TW" altLang="en-US" sz="5400" b="1" dirty="0" smtClean="0">
+              <a:rPr lang="zh-TW" altLang="en-US" sz="5400" b="1" dirty="0">
                 <a:solidFill>
                   <a:srgbClr val="660033"/>
                 </a:solidFill>
@@ -3478,7 +3614,7 @@
               </a:rPr>
               <a:t>永永遠遠讚美不停</a:t>
             </a:r>
-            <a:endParaRPr lang="en-US" altLang="zh-TW" sz="5400" b="1" dirty="0" smtClean="0">
+            <a:endParaRPr lang="en-US" altLang="zh-TW" sz="5400" b="1" dirty="0">
               <a:solidFill>
                 <a:srgbClr val="660033"/>
               </a:solidFill>
@@ -3491,7 +3627,7 @@
               <a:buNone/>
             </a:pPr>
             <a:r>
-              <a:rPr lang="zh-TW" altLang="en-US" sz="5400" b="1" dirty="0" smtClean="0">
+              <a:rPr lang="zh-TW" altLang="en-US" sz="5400" b="1" dirty="0">
                 <a:solidFill>
                   <a:srgbClr val="660033"/>
                 </a:solidFill>
@@ -3500,7 +3636,7 @@
               </a:rPr>
               <a:t>永永遠遠稱謝不已</a:t>
             </a:r>
-            <a:endParaRPr lang="en-US" altLang="zh-TW" sz="5400" b="1" dirty="0" smtClean="0">
+            <a:endParaRPr lang="en-US" altLang="zh-TW" sz="5400" b="1" dirty="0">
               <a:solidFill>
                 <a:srgbClr val="660033"/>
               </a:solidFill>
@@ -3513,16 +3649,56 @@
               <a:buNone/>
             </a:pPr>
             <a:r>
-              <a:rPr lang="zh-TW" altLang="en-US" sz="5400" b="1" dirty="0" smtClean="0">
+              <a:rPr lang="zh-TW" altLang="en-US" sz="5400" b="1" dirty="0">
                 <a:solidFill>
                   <a:srgbClr val="660033"/>
                 </a:solidFill>
                 <a:latin typeface="微軟正黑體" pitchFamily="34" charset="-120"/>
                 <a:ea typeface="微軟正黑體" pitchFamily="34" charset="-120"/>
               </a:rPr>
-              <a:t>我要欣然向你獻上自己</a:t>
-            </a:r>
-            <a:endParaRPr lang="en-US" altLang="zh-TW" sz="5400" b="1" dirty="0" smtClean="0">
+              <a:t>我要欣然</a:t>
+            </a:r>
+            <a:r>
+              <a:rPr lang="zh-TW" altLang="en-US" sz="5400" b="1" dirty="0" smtClean="0">
+                <a:solidFill>
+                  <a:srgbClr val="660033"/>
+                </a:solidFill>
+                <a:latin typeface="微軟正黑體" pitchFamily="34" charset="-120"/>
+                <a:ea typeface="微軟正黑體" pitchFamily="34" charset="-120"/>
+              </a:rPr>
+              <a:t>向</a:t>
+            </a:r>
+            <a:r>
+              <a:rPr lang="zh-CN" altLang="en-US" sz="5400" b="1" dirty="0">
+                <a:solidFill>
+                  <a:srgbClr val="660033"/>
+                </a:solidFill>
+                <a:latin typeface="微軟正黑體" pitchFamily="34" charset="-120"/>
+                <a:ea typeface="微軟正黑體" pitchFamily="34" charset="-120"/>
+              </a:rPr>
+              <a:t>袮</a:t>
+            </a:r>
+            <a:r>
+              <a:rPr lang="zh-TW" altLang="en-US" sz="5400" b="1" dirty="0" smtClean="0">
+                <a:solidFill>
+                  <a:srgbClr val="660033"/>
+                </a:solidFill>
+                <a:latin typeface="微軟正黑體" pitchFamily="34" charset="-120"/>
+                <a:ea typeface="微軟正黑體" pitchFamily="34" charset="-120"/>
+              </a:rPr>
+              <a:t>獻</a:t>
+            </a:r>
+            <a:r>
+              <a:rPr lang="zh-TW" altLang="en-US" sz="5400" b="1" dirty="0">
+                <a:solidFill>
+                  <a:srgbClr val="660033"/>
+                </a:solidFill>
+                <a:latin typeface="微軟正黑體" pitchFamily="34" charset="-120"/>
+                <a:ea typeface="微軟正黑體" pitchFamily="34" charset="-120"/>
+              </a:rPr>
+              <a:t>上自己</a:t>
+            </a:r>
+            <a:endParaRPr lang="en-US" altLang="zh-TW" sz="5400" b="1" dirty="0">
               <a:solidFill>
                 <a:srgbClr val="660033"/>
               </a:solidFill>
@@ -3535,7 +3711,7 @@
               <a:buNone/>
             </a:pPr>
             <a:r>
-              <a:rPr lang="zh-TW" altLang="en-US" sz="5400" b="1" dirty="0" smtClean="0">
+              <a:rPr lang="zh-TW" altLang="en-US" sz="5400" b="1" dirty="0">
                 <a:solidFill>
                   <a:srgbClr val="660033"/>
                 </a:solidFill>
@@ -3544,7 +3720,7 @@
               </a:rPr>
               <a:t>一生一世獻上自己</a:t>
             </a:r>
-            <a:endParaRPr lang="en-US" altLang="zh-TW" sz="5400" b="1" dirty="0" smtClean="0">
+            <a:endParaRPr lang="en-US" altLang="zh-TW" sz="5400" b="1" dirty="0">
               <a:solidFill>
                 <a:srgbClr val="660033"/>
               </a:solidFill>
@@ -3557,7 +3733,7 @@
               <a:buNone/>
             </a:pPr>
             <a:r>
-              <a:rPr lang="zh-TW" altLang="en-US" sz="5400" b="1" dirty="0" smtClean="0">
+              <a:rPr lang="zh-TW" altLang="en-US" sz="5400" b="1" dirty="0">
                 <a:solidFill>
                   <a:srgbClr val="660033"/>
                 </a:solidFill>

--- a/全然向你(崇拜版).pptx
+++ b/全然向你(崇拜版).pptx
@@ -8,6 +8,7 @@
     <p:sldId id="256" r:id="rId2"/>
     <p:sldId id="257" r:id="rId3"/>
     <p:sldId id="258" r:id="rId4"/>
+    <p:sldId id="259" r:id="rId5"/>
   </p:sldIdLst>
   <p:sldSz cx="12192000" cy="6858000"/>
   <p:notesSz cx="6858000" cy="9144000"/>
@@ -108,7 +109,7 @@
   </p:defaultTextStyle>
   <p:extLst>
     <p:ext uri="{EFAFB233-063F-42B5-8137-9DF3F51BA10A}">
-      <p15:sldGuideLst xmlns:p15="http://schemas.microsoft.com/office/powerpoint/2012/main">
+      <p15:sldGuideLst xmlns:p15="http://schemas.microsoft.com/office/powerpoint/2012/main" xmlns="">
         <p15:guide id="1" orient="horz" pos="2160" userDrawn="1">
           <p15:clr>
             <a:srgbClr val="A4A3A4"/>
@@ -306,7 +307,8 @@
           <a:p>
             <a:fld id="{90E6F053-0252-461E-AE20-312307FEBCCD}" type="datetimeFigureOut">
               <a:rPr lang="zh-TW" altLang="en-US" smtClean="0"/>
-              <a:t>2020/2/1</a:t>
+              <a:pPr/>
+              <a:t>2020/12/1</a:t>
             </a:fld>
             <a:endParaRPr lang="zh-TW" altLang="en-US"/>
           </a:p>
@@ -348,6 +350,7 @@
           <a:p>
             <a:fld id="{F7CF9B79-C726-48BE-9FA1-82BC36AF4A35}" type="slidenum">
               <a:rPr lang="zh-TW" altLang="en-US" smtClean="0"/>
+              <a:pPr/>
               <a:t>‹#›</a:t>
             </a:fld>
             <a:endParaRPr lang="zh-TW" altLang="en-US"/>
@@ -471,7 +474,8 @@
           <a:p>
             <a:fld id="{90E6F053-0252-461E-AE20-312307FEBCCD}" type="datetimeFigureOut">
               <a:rPr lang="zh-TW" altLang="en-US" smtClean="0"/>
-              <a:t>2020/2/1</a:t>
+              <a:pPr/>
+              <a:t>2020/12/1</a:t>
             </a:fld>
             <a:endParaRPr lang="zh-TW" altLang="en-US"/>
           </a:p>
@@ -513,6 +517,7 @@
           <a:p>
             <a:fld id="{F7CF9B79-C726-48BE-9FA1-82BC36AF4A35}" type="slidenum">
               <a:rPr lang="zh-TW" altLang="en-US" smtClean="0"/>
+              <a:pPr/>
               <a:t>‹#›</a:t>
             </a:fld>
             <a:endParaRPr lang="zh-TW" altLang="en-US"/>
@@ -646,7 +651,8 @@
           <a:p>
             <a:fld id="{90E6F053-0252-461E-AE20-312307FEBCCD}" type="datetimeFigureOut">
               <a:rPr lang="zh-TW" altLang="en-US" smtClean="0"/>
-              <a:t>2020/2/1</a:t>
+              <a:pPr/>
+              <a:t>2020/12/1</a:t>
             </a:fld>
             <a:endParaRPr lang="zh-TW" altLang="en-US"/>
           </a:p>
@@ -688,6 +694,7 @@
           <a:p>
             <a:fld id="{F7CF9B79-C726-48BE-9FA1-82BC36AF4A35}" type="slidenum">
               <a:rPr lang="zh-TW" altLang="en-US" smtClean="0"/>
+              <a:pPr/>
               <a:t>‹#›</a:t>
             </a:fld>
             <a:endParaRPr lang="zh-TW" altLang="en-US"/>
@@ -811,7 +818,8 @@
           <a:p>
             <a:fld id="{90E6F053-0252-461E-AE20-312307FEBCCD}" type="datetimeFigureOut">
               <a:rPr lang="zh-TW" altLang="en-US" smtClean="0"/>
-              <a:t>2020/2/1</a:t>
+              <a:pPr/>
+              <a:t>2020/12/1</a:t>
             </a:fld>
             <a:endParaRPr lang="zh-TW" altLang="en-US"/>
           </a:p>
@@ -853,6 +861,7 @@
           <a:p>
             <a:fld id="{F7CF9B79-C726-48BE-9FA1-82BC36AF4A35}" type="slidenum">
               <a:rPr lang="zh-TW" altLang="en-US" smtClean="0"/>
+              <a:pPr/>
               <a:t>‹#›</a:t>
             </a:fld>
             <a:endParaRPr lang="zh-TW" altLang="en-US"/>
@@ -1052,7 +1061,8 @@
           <a:p>
             <a:fld id="{90E6F053-0252-461E-AE20-312307FEBCCD}" type="datetimeFigureOut">
               <a:rPr lang="zh-TW" altLang="en-US" smtClean="0"/>
-              <a:t>2020/2/1</a:t>
+              <a:pPr/>
+              <a:t>2020/12/1</a:t>
             </a:fld>
             <a:endParaRPr lang="zh-TW" altLang="en-US"/>
           </a:p>
@@ -1094,6 +1104,7 @@
           <a:p>
             <a:fld id="{F7CF9B79-C726-48BE-9FA1-82BC36AF4A35}" type="slidenum">
               <a:rPr lang="zh-TW" altLang="en-US" smtClean="0"/>
+              <a:pPr/>
               <a:t>‹#›</a:t>
             </a:fld>
             <a:endParaRPr lang="zh-TW" altLang="en-US"/>
@@ -1335,7 +1346,8 @@
           <a:p>
             <a:fld id="{90E6F053-0252-461E-AE20-312307FEBCCD}" type="datetimeFigureOut">
               <a:rPr lang="zh-TW" altLang="en-US" smtClean="0"/>
-              <a:t>2020/2/1</a:t>
+              <a:pPr/>
+              <a:t>2020/12/1</a:t>
             </a:fld>
             <a:endParaRPr lang="zh-TW" altLang="en-US"/>
           </a:p>
@@ -1377,6 +1389,7 @@
           <a:p>
             <a:fld id="{F7CF9B79-C726-48BE-9FA1-82BC36AF4A35}" type="slidenum">
               <a:rPr lang="zh-TW" altLang="en-US" smtClean="0"/>
+              <a:pPr/>
               <a:t>‹#›</a:t>
             </a:fld>
             <a:endParaRPr lang="zh-TW" altLang="en-US"/>
@@ -1752,7 +1765,8 @@
           <a:p>
             <a:fld id="{90E6F053-0252-461E-AE20-312307FEBCCD}" type="datetimeFigureOut">
               <a:rPr lang="zh-TW" altLang="en-US" smtClean="0"/>
-              <a:t>2020/2/1</a:t>
+              <a:pPr/>
+              <a:t>2020/12/1</a:t>
             </a:fld>
             <a:endParaRPr lang="zh-TW" altLang="en-US"/>
           </a:p>
@@ -1794,6 +1808,7 @@
           <a:p>
             <a:fld id="{F7CF9B79-C726-48BE-9FA1-82BC36AF4A35}" type="slidenum">
               <a:rPr lang="zh-TW" altLang="en-US" smtClean="0"/>
+              <a:pPr/>
               <a:t>‹#›</a:t>
             </a:fld>
             <a:endParaRPr lang="zh-TW" altLang="en-US"/>
@@ -1865,7 +1880,8 @@
           <a:p>
             <a:fld id="{90E6F053-0252-461E-AE20-312307FEBCCD}" type="datetimeFigureOut">
               <a:rPr lang="zh-TW" altLang="en-US" smtClean="0"/>
-              <a:t>2020/2/1</a:t>
+              <a:pPr/>
+              <a:t>2020/12/1</a:t>
             </a:fld>
             <a:endParaRPr lang="zh-TW" altLang="en-US"/>
           </a:p>
@@ -1907,6 +1923,7 @@
           <a:p>
             <a:fld id="{F7CF9B79-C726-48BE-9FA1-82BC36AF4A35}" type="slidenum">
               <a:rPr lang="zh-TW" altLang="en-US" smtClean="0"/>
+              <a:pPr/>
               <a:t>‹#›</a:t>
             </a:fld>
             <a:endParaRPr lang="zh-TW" altLang="en-US"/>
@@ -1955,7 +1972,8 @@
           <a:p>
             <a:fld id="{90E6F053-0252-461E-AE20-312307FEBCCD}" type="datetimeFigureOut">
               <a:rPr lang="zh-TW" altLang="en-US" smtClean="0"/>
-              <a:t>2020/2/1</a:t>
+              <a:pPr/>
+              <a:t>2020/12/1</a:t>
             </a:fld>
             <a:endParaRPr lang="zh-TW" altLang="en-US"/>
           </a:p>
@@ -1997,6 +2015,7 @@
           <a:p>
             <a:fld id="{F7CF9B79-C726-48BE-9FA1-82BC36AF4A35}" type="slidenum">
               <a:rPr lang="zh-TW" altLang="en-US" smtClean="0"/>
+              <a:pPr/>
               <a:t>‹#›</a:t>
             </a:fld>
             <a:endParaRPr lang="zh-TW" altLang="en-US"/>
@@ -2227,7 +2246,8 @@
           <a:p>
             <a:fld id="{90E6F053-0252-461E-AE20-312307FEBCCD}" type="datetimeFigureOut">
               <a:rPr lang="zh-TW" altLang="en-US" smtClean="0"/>
-              <a:t>2020/2/1</a:t>
+              <a:pPr/>
+              <a:t>2020/12/1</a:t>
             </a:fld>
             <a:endParaRPr lang="zh-TW" altLang="en-US"/>
           </a:p>
@@ -2269,6 +2289,7 @@
           <a:p>
             <a:fld id="{F7CF9B79-C726-48BE-9FA1-82BC36AF4A35}" type="slidenum">
               <a:rPr lang="zh-TW" altLang="en-US" smtClean="0"/>
+              <a:pPr/>
               <a:t>‹#›</a:t>
             </a:fld>
             <a:endParaRPr lang="zh-TW" altLang="en-US"/>
@@ -2479,7 +2500,8 @@
           <a:p>
             <a:fld id="{90E6F053-0252-461E-AE20-312307FEBCCD}" type="datetimeFigureOut">
               <a:rPr lang="zh-TW" altLang="en-US" smtClean="0"/>
-              <a:t>2020/2/1</a:t>
+              <a:pPr/>
+              <a:t>2020/12/1</a:t>
             </a:fld>
             <a:endParaRPr lang="zh-TW" altLang="en-US"/>
           </a:p>
@@ -2521,6 +2543,7 @@
           <a:p>
             <a:fld id="{F7CF9B79-C726-48BE-9FA1-82BC36AF4A35}" type="slidenum">
               <a:rPr lang="zh-TW" altLang="en-US" smtClean="0"/>
+              <a:pPr/>
               <a:t>‹#›</a:t>
             </a:fld>
             <a:endParaRPr lang="zh-TW" altLang="en-US"/>
@@ -2692,7 +2715,8 @@
           <a:p>
             <a:fld id="{90E6F053-0252-461E-AE20-312307FEBCCD}" type="datetimeFigureOut">
               <a:rPr lang="zh-TW" altLang="en-US" smtClean="0"/>
-              <a:t>2020/2/1</a:t>
+              <a:pPr/>
+              <a:t>2020/12/1</a:t>
             </a:fld>
             <a:endParaRPr lang="zh-TW" altLang="en-US"/>
           </a:p>
@@ -2770,6 +2794,7 @@
           <a:p>
             <a:fld id="{F7CF9B79-C726-48BE-9FA1-82BC36AF4A35}" type="slidenum">
               <a:rPr lang="zh-TW" altLang="en-US" smtClean="0"/>
+              <a:pPr/>
               <a:t>‹#›</a:t>
             </a:fld>
             <a:endParaRPr lang="zh-TW" altLang="en-US"/>
@@ -3090,17 +3115,7 @@
                 <a:latin typeface="微軟正黑體" pitchFamily="34" charset="-120"/>
                 <a:ea typeface="微軟正黑體" pitchFamily="34" charset="-120"/>
               </a:rPr>
-              <a:t>全然</a:t>
-            </a:r>
-            <a:r>
-              <a:rPr lang="zh-TW" altLang="en-US" b="1" dirty="0" smtClean="0">
-                <a:solidFill>
-                  <a:srgbClr val="660033"/>
-                </a:solidFill>
-                <a:latin typeface="微軟正黑體" pitchFamily="34" charset="-120"/>
-                <a:ea typeface="微軟正黑體" pitchFamily="34" charset="-120"/>
-              </a:rPr>
-              <a:t>向</a:t>
+              <a:t>全然向</a:t>
             </a:r>
             <a:r>
               <a:rPr lang="zh-CN" altLang="en-US" b="1" dirty="0" smtClean="0">
@@ -3238,13 +3253,6 @@
               </a:rPr>
               <a:t>我的靈不再封閉</a:t>
             </a:r>
-            <a:endParaRPr lang="zh-TW" altLang="en-US" sz="5400" b="1" dirty="0">
-              <a:solidFill>
-                <a:srgbClr val="660033"/>
-              </a:solidFill>
-              <a:latin typeface="微軟正黑體" pitchFamily="34" charset="-120"/>
-              <a:ea typeface="微軟正黑體" pitchFamily="34" charset="-120"/>
-            </a:endParaRPr>
           </a:p>
         </p:txBody>
       </p:sp>
@@ -3301,17 +3309,7 @@
                 <a:latin typeface="微軟正黑體" pitchFamily="34" charset="-120"/>
                 <a:ea typeface="微軟正黑體" pitchFamily="34" charset="-120"/>
               </a:rPr>
-              <a:t>全然</a:t>
-            </a:r>
-            <a:r>
-              <a:rPr lang="zh-TW" altLang="en-US" b="1" dirty="0" smtClean="0">
-                <a:solidFill>
-                  <a:srgbClr val="660033"/>
-                </a:solidFill>
-                <a:latin typeface="微軟正黑體" pitchFamily="34" charset="-120"/>
-                <a:ea typeface="微軟正黑體" pitchFamily="34" charset="-120"/>
-              </a:rPr>
-              <a:t>向</a:t>
+              <a:t>全然向</a:t>
             </a:r>
             <a:r>
               <a:rPr lang="zh-CN" altLang="en-US" b="1" dirty="0">
@@ -3485,17 +3483,7 @@
                 <a:latin typeface="微軟正黑體" pitchFamily="34" charset="-120"/>
                 <a:ea typeface="微軟正黑體" pitchFamily="34" charset="-120"/>
               </a:rPr>
-              <a:t>全然</a:t>
-            </a:r>
-            <a:r>
-              <a:rPr lang="zh-TW" altLang="en-US" b="1" dirty="0" smtClean="0">
-                <a:solidFill>
-                  <a:srgbClr val="660033"/>
-                </a:solidFill>
-                <a:latin typeface="微軟正黑體" pitchFamily="34" charset="-120"/>
-                <a:ea typeface="微軟正黑體" pitchFamily="34" charset="-120"/>
-              </a:rPr>
-              <a:t>向</a:t>
+              <a:t>全然向</a:t>
             </a:r>
             <a:r>
               <a:rPr lang="zh-CN" altLang="en-US" b="1" dirty="0">
@@ -3529,8 +3517,8 @@
         </p:nvSpPr>
         <p:spPr>
           <a:xfrm>
-            <a:off x="1981200" y="1142984"/>
-            <a:ext cx="8229600" cy="5715016"/>
+            <a:off x="1981200" y="1928802"/>
+            <a:ext cx="8229600" cy="4929198"/>
           </a:xfrm>
         </p:spPr>
         <p:txBody>
@@ -3648,15 +3636,135 @@
             <a:pPr algn="ctr">
               <a:buNone/>
             </a:pPr>
-            <a:r>
-              <a:rPr lang="zh-TW" altLang="en-US" sz="5400" b="1" dirty="0">
+            <a:endParaRPr lang="zh-TW" altLang="en-US" sz="5400" b="1" dirty="0">
+              <a:solidFill>
+                <a:srgbClr val="660033"/>
+              </a:solidFill>
+              <a:latin typeface="微軟正黑體" pitchFamily="34" charset="-120"/>
+              <a:ea typeface="微軟正黑體" pitchFamily="34" charset="-120"/>
+            </a:endParaRPr>
+          </a:p>
+        </p:txBody>
+      </p:sp>
+    </p:spTree>
+  </p:cSld>
+  <p:clrMapOvr>
+    <a:masterClrMapping/>
+  </p:clrMapOvr>
+</p:sld>
+</file>
+
+<file path=ppt/slides/slide4.xml><?xml version="1.0" encoding="utf-8"?>
+<p:sld xmlns:a="http://schemas.openxmlformats.org/drawingml/2006/main" xmlns:r="http://schemas.openxmlformats.org/officeDocument/2006/relationships" xmlns:p="http://schemas.openxmlformats.org/presentationml/2006/main">
+  <p:cSld>
+    <p:spTree>
+      <p:nvGrpSpPr>
+        <p:cNvPr id="1" name=""/>
+        <p:cNvGrpSpPr/>
+        <p:nvPr/>
+      </p:nvGrpSpPr>
+      <p:grpSpPr>
+        <a:xfrm>
+          <a:off x="0" y="0"/>
+          <a:ext cx="0" cy="0"/>
+          <a:chOff x="0" y="0"/>
+          <a:chExt cx="0" cy="0"/>
+        </a:xfrm>
+      </p:grpSpPr>
+      <p:sp>
+        <p:nvSpPr>
+          <p:cNvPr id="4" name="標題 3"/>
+          <p:cNvSpPr>
+            <a:spLocks noGrp="1"/>
+          </p:cNvSpPr>
+          <p:nvPr>
+            <p:ph type="title"/>
+          </p:nvPr>
+        </p:nvSpPr>
+        <p:spPr>
+          <a:xfrm>
+            <a:off x="1981200" y="0"/>
+            <a:ext cx="8229600" cy="1417638"/>
+          </a:xfrm>
+        </p:spPr>
+        <p:txBody>
+          <a:bodyPr/>
+          <a:lstStyle/>
+          <a:p>
+            <a:r>
+              <a:rPr lang="zh-TW" altLang="en-US" b="1" dirty="0" smtClean="0">
                 <a:solidFill>
                   <a:srgbClr val="660033"/>
                 </a:solidFill>
                 <a:latin typeface="微軟正黑體" pitchFamily="34" charset="-120"/>
                 <a:ea typeface="微軟正黑體" pitchFamily="34" charset="-120"/>
               </a:rPr>
-              <a:t>我要欣然</a:t>
+              <a:t>全然向</a:t>
+            </a:r>
+            <a:r>
+              <a:rPr lang="zh-CN" altLang="en-US" b="1" dirty="0">
+                <a:solidFill>
+                  <a:srgbClr val="660033"/>
+                </a:solidFill>
+                <a:latin typeface="微軟正黑體" pitchFamily="34" charset="-120"/>
+                <a:ea typeface="微軟正黑體" pitchFamily="34" charset="-120"/>
+              </a:rPr>
+              <a:t>袮</a:t>
+            </a:r>
+            <a:endParaRPr lang="zh-TW" altLang="en-US" b="1" dirty="0">
+              <a:solidFill>
+                <a:srgbClr val="660033"/>
+              </a:solidFill>
+              <a:latin typeface="微軟正黑體" pitchFamily="34" charset="-120"/>
+              <a:ea typeface="微軟正黑體" pitchFamily="34" charset="-120"/>
+            </a:endParaRPr>
+          </a:p>
+        </p:txBody>
+      </p:sp>
+      <p:sp>
+        <p:nvSpPr>
+          <p:cNvPr id="5" name="內容版面配置區 4"/>
+          <p:cNvSpPr>
+            <a:spLocks noGrp="1"/>
+          </p:cNvSpPr>
+          <p:nvPr>
+            <p:ph idx="1"/>
+          </p:nvPr>
+        </p:nvSpPr>
+        <p:spPr>
+          <a:xfrm>
+            <a:off x="1952596" y="1857364"/>
+            <a:ext cx="8229600" cy="5000636"/>
+          </a:xfrm>
+        </p:spPr>
+        <p:txBody>
+          <a:bodyPr>
+            <a:noAutofit/>
+          </a:bodyPr>
+          <a:lstStyle/>
+          <a:p>
+            <a:pPr algn="ctr">
+              <a:buNone/>
+            </a:pPr>
+            <a:r>
+              <a:rPr lang="zh-TW" altLang="en-US" sz="5400" b="1" dirty="0" smtClean="0">
+                <a:solidFill>
+                  <a:srgbClr val="660033"/>
+                </a:solidFill>
+                <a:latin typeface="微軟正黑體" pitchFamily="34" charset="-120"/>
+                <a:ea typeface="微軟正黑體" pitchFamily="34" charset="-120"/>
+              </a:rPr>
+              <a:t>我</a:t>
+            </a:r>
+            <a:r>
+              <a:rPr lang="zh-TW" altLang="en-US" sz="5400" b="1" dirty="0">
+                <a:solidFill>
+                  <a:srgbClr val="660033"/>
+                </a:solidFill>
+                <a:latin typeface="微軟正黑體" pitchFamily="34" charset="-120"/>
+                <a:ea typeface="微軟正黑體" pitchFamily="34" charset="-120"/>
+              </a:rPr>
+              <a:t>要欣然</a:t>
             </a:r>
             <a:r>
               <a:rPr lang="zh-TW" altLang="en-US" sz="5400" b="1" dirty="0" smtClean="0">

--- a/全然向你(崇拜版).pptx
+++ b/全然向你(崇拜版).pptx
@@ -8,6 +8,12 @@
     <p:sldId id="256" r:id="rId2"/>
     <p:sldId id="257" r:id="rId3"/>
     <p:sldId id="258" r:id="rId4"/>
+    <p:sldId id="259" r:id="rId5"/>
+    <p:sldId id="260" r:id="rId6"/>
+    <p:sldId id="261" r:id="rId7"/>
+    <p:sldId id="262" r:id="rId8"/>
+    <p:sldId id="263" r:id="rId9"/>
+    <p:sldId id="264" r:id="rId10"/>
   </p:sldIdLst>
   <p:sldSz cx="12192000" cy="6858000"/>
   <p:notesSz cx="6858000" cy="9144000"/>
@@ -306,7 +312,7 @@
           <a:p>
             <a:fld id="{90E6F053-0252-461E-AE20-312307FEBCCD}" type="datetimeFigureOut">
               <a:rPr lang="zh-TW" altLang="en-US" smtClean="0"/>
-              <a:t>2020/2/1</a:t>
+              <a:t>2020/12/4</a:t>
             </a:fld>
             <a:endParaRPr lang="zh-TW" altLang="en-US"/>
           </a:p>
@@ -471,7 +477,7 @@
           <a:p>
             <a:fld id="{90E6F053-0252-461E-AE20-312307FEBCCD}" type="datetimeFigureOut">
               <a:rPr lang="zh-TW" altLang="en-US" smtClean="0"/>
-              <a:t>2020/2/1</a:t>
+              <a:t>2020/12/4</a:t>
             </a:fld>
             <a:endParaRPr lang="zh-TW" altLang="en-US"/>
           </a:p>
@@ -646,7 +652,7 @@
           <a:p>
             <a:fld id="{90E6F053-0252-461E-AE20-312307FEBCCD}" type="datetimeFigureOut">
               <a:rPr lang="zh-TW" altLang="en-US" smtClean="0"/>
-              <a:t>2020/2/1</a:t>
+              <a:t>2020/12/4</a:t>
             </a:fld>
             <a:endParaRPr lang="zh-TW" altLang="en-US"/>
           </a:p>
@@ -811,7 +817,7 @@
           <a:p>
             <a:fld id="{90E6F053-0252-461E-AE20-312307FEBCCD}" type="datetimeFigureOut">
               <a:rPr lang="zh-TW" altLang="en-US" smtClean="0"/>
-              <a:t>2020/2/1</a:t>
+              <a:t>2020/12/4</a:t>
             </a:fld>
             <a:endParaRPr lang="zh-TW" altLang="en-US"/>
           </a:p>
@@ -1052,7 +1058,7 @@
           <a:p>
             <a:fld id="{90E6F053-0252-461E-AE20-312307FEBCCD}" type="datetimeFigureOut">
               <a:rPr lang="zh-TW" altLang="en-US" smtClean="0"/>
-              <a:t>2020/2/1</a:t>
+              <a:t>2020/12/4</a:t>
             </a:fld>
             <a:endParaRPr lang="zh-TW" altLang="en-US"/>
           </a:p>
@@ -1335,7 +1341,7 @@
           <a:p>
             <a:fld id="{90E6F053-0252-461E-AE20-312307FEBCCD}" type="datetimeFigureOut">
               <a:rPr lang="zh-TW" altLang="en-US" smtClean="0"/>
-              <a:t>2020/2/1</a:t>
+              <a:t>2020/12/4</a:t>
             </a:fld>
             <a:endParaRPr lang="zh-TW" altLang="en-US"/>
           </a:p>
@@ -1752,7 +1758,7 @@
           <a:p>
             <a:fld id="{90E6F053-0252-461E-AE20-312307FEBCCD}" type="datetimeFigureOut">
               <a:rPr lang="zh-TW" altLang="en-US" smtClean="0"/>
-              <a:t>2020/2/1</a:t>
+              <a:t>2020/12/4</a:t>
             </a:fld>
             <a:endParaRPr lang="zh-TW" altLang="en-US"/>
           </a:p>
@@ -1865,7 +1871,7 @@
           <a:p>
             <a:fld id="{90E6F053-0252-461E-AE20-312307FEBCCD}" type="datetimeFigureOut">
               <a:rPr lang="zh-TW" altLang="en-US" smtClean="0"/>
-              <a:t>2020/2/1</a:t>
+              <a:t>2020/12/4</a:t>
             </a:fld>
             <a:endParaRPr lang="zh-TW" altLang="en-US"/>
           </a:p>
@@ -1955,7 +1961,7 @@
           <a:p>
             <a:fld id="{90E6F053-0252-461E-AE20-312307FEBCCD}" type="datetimeFigureOut">
               <a:rPr lang="zh-TW" altLang="en-US" smtClean="0"/>
-              <a:t>2020/2/1</a:t>
+              <a:t>2020/12/4</a:t>
             </a:fld>
             <a:endParaRPr lang="zh-TW" altLang="en-US"/>
           </a:p>
@@ -2227,7 +2233,7 @@
           <a:p>
             <a:fld id="{90E6F053-0252-461E-AE20-312307FEBCCD}" type="datetimeFigureOut">
               <a:rPr lang="zh-TW" altLang="en-US" smtClean="0"/>
-              <a:t>2020/2/1</a:t>
+              <a:t>2020/12/4</a:t>
             </a:fld>
             <a:endParaRPr lang="zh-TW" altLang="en-US"/>
           </a:p>
@@ -2479,7 +2485,7 @@
           <a:p>
             <a:fld id="{90E6F053-0252-461E-AE20-312307FEBCCD}" type="datetimeFigureOut">
               <a:rPr lang="zh-TW" altLang="en-US" smtClean="0"/>
-              <a:t>2020/2/1</a:t>
+              <a:t>2020/12/4</a:t>
             </a:fld>
             <a:endParaRPr lang="zh-TW" altLang="en-US"/>
           </a:p>
@@ -2692,7 +2698,7 @@
           <a:p>
             <a:fld id="{90E6F053-0252-461E-AE20-312307FEBCCD}" type="datetimeFigureOut">
               <a:rPr lang="zh-TW" altLang="en-US" smtClean="0"/>
-              <a:t>2020/2/1</a:t>
+              <a:t>2020/12/4</a:t>
             </a:fld>
             <a:endParaRPr lang="zh-TW" altLang="en-US"/>
           </a:p>
@@ -3074,181 +3080,90 @@
         </p:nvSpPr>
         <p:spPr>
           <a:xfrm>
-            <a:off x="1981200" y="0"/>
-            <a:ext cx="8229600" cy="1417638"/>
+            <a:off x="0" y="2857513"/>
+            <a:ext cx="12192000" cy="1143000"/>
           </a:xfrm>
         </p:spPr>
         <p:txBody>
-          <a:bodyPr/>
-          <a:lstStyle/>
-          <a:p>
-            <a:r>
-              <a:rPr lang="zh-TW" altLang="en-US" b="1" dirty="0" smtClean="0">
+          <a:bodyPr>
+            <a:noAutofit/>
+          </a:bodyPr>
+          <a:lstStyle/>
+          <a:p>
+            <a:r>
+              <a:rPr lang="zh-TW" altLang="en-US" sz="7200" b="1" i="1" dirty="0">
                 <a:solidFill>
                   <a:srgbClr val="660033"/>
                 </a:solidFill>
+                <a:effectLst>
+                  <a:outerShdw blurRad="38100" dist="38100" dir="2700000" algn="tl">
+                    <a:srgbClr val="000000">
+                      <a:alpha val="43137"/>
+                    </a:srgbClr>
+                  </a:outerShdw>
+                </a:effectLst>
                 <a:latin typeface="微軟正黑體" pitchFamily="34" charset="-120"/>
                 <a:ea typeface="微軟正黑體" pitchFamily="34" charset="-120"/>
               </a:rPr>
-              <a:t>全然</a:t>
-            </a:r>
-            <a:r>
-              <a:rPr lang="zh-TW" altLang="en-US" b="1" dirty="0" smtClean="0">
+              <a:t>全</a:t>
+            </a:r>
+            <a:r>
+              <a:rPr lang="zh-TW" altLang="en-US" sz="7200" b="1" i="1" dirty="0">
                 <a:solidFill>
                   <a:srgbClr val="660033"/>
                 </a:solidFill>
+                <a:effectLst>
+                  <a:outerShdw blurRad="38100" dist="38100" dir="2700000" algn="tl">
+                    <a:srgbClr val="000000">
+                      <a:alpha val="43137"/>
+                    </a:srgbClr>
+                  </a:outerShdw>
+                </a:effectLst>
                 <a:latin typeface="微軟正黑體" pitchFamily="34" charset="-120"/>
                 <a:ea typeface="微軟正黑體" pitchFamily="34" charset="-120"/>
               </a:rPr>
-              <a:t>向</a:t>
-            </a:r>
-            <a:r>
-              <a:rPr lang="zh-CN" altLang="en-US" b="1" dirty="0" smtClean="0">
+              <a:t>然向</a:t>
+            </a:r>
+            <a:r>
+              <a:rPr lang="zh-CN" altLang="en-US" sz="7200" b="1" i="1" dirty="0">
                 <a:solidFill>
                   <a:srgbClr val="660033"/>
                 </a:solidFill>
+                <a:effectLst>
+                  <a:outerShdw blurRad="38100" dist="38100" dir="2700000" algn="tl">
+                    <a:srgbClr val="000000">
+                      <a:alpha val="43137"/>
+                    </a:srgbClr>
+                  </a:outerShdw>
+                </a:effectLst>
                 <a:latin typeface="微軟正黑體" pitchFamily="34" charset="-120"/>
                 <a:ea typeface="微軟正黑體" pitchFamily="34" charset="-120"/>
               </a:rPr>
               <a:t>袮</a:t>
             </a:r>
-            <a:endParaRPr lang="zh-TW" altLang="en-US" b="1" dirty="0">
+            <a:endParaRPr lang="zh-TW" altLang="en-US" sz="7200" b="1" i="1" dirty="0">
               <a:solidFill>
                 <a:srgbClr val="660033"/>
               </a:solidFill>
+              <a:effectLst>
+                <a:outerShdw blurRad="38100" dist="38100" dir="2700000" algn="tl">
+                  <a:srgbClr val="000000">
+                    <a:alpha val="43137"/>
+                  </a:srgbClr>
+                </a:outerShdw>
+              </a:effectLst>
               <a:latin typeface="微軟正黑體" pitchFamily="34" charset="-120"/>
               <a:ea typeface="微軟正黑體" pitchFamily="34" charset="-120"/>
             </a:endParaRPr>
           </a:p>
         </p:txBody>
       </p:sp>
-      <p:sp>
-        <p:nvSpPr>
-          <p:cNvPr id="5" name="內容版面配置區 4"/>
-          <p:cNvSpPr>
-            <a:spLocks noGrp="1"/>
-          </p:cNvSpPr>
-          <p:nvPr>
-            <p:ph idx="1"/>
-          </p:nvPr>
-        </p:nvSpPr>
-        <p:spPr/>
-        <p:txBody>
-          <a:bodyPr>
-            <a:normAutofit/>
-          </a:bodyPr>
-          <a:lstStyle/>
-          <a:p>
-            <a:pPr algn="ctr">
-              <a:buNone/>
-            </a:pPr>
-            <a:r>
-              <a:rPr lang="zh-TW" altLang="en-US" sz="5400" b="1" dirty="0">
-                <a:solidFill>
-                  <a:srgbClr val="660033"/>
-                </a:solidFill>
-                <a:latin typeface="微軟正黑體" pitchFamily="34" charset="-120"/>
-                <a:ea typeface="微軟正黑體" pitchFamily="34" charset="-120"/>
-              </a:rPr>
-              <a:t>當讚美的旋律響起</a:t>
-            </a:r>
-            <a:endParaRPr lang="en-US" altLang="zh-TW" sz="5400" b="1" dirty="0">
-              <a:solidFill>
-                <a:srgbClr val="660033"/>
-              </a:solidFill>
-              <a:latin typeface="微軟正黑體" pitchFamily="34" charset="-120"/>
-              <a:ea typeface="微軟正黑體" pitchFamily="34" charset="-120"/>
-            </a:endParaRPr>
-          </a:p>
-          <a:p>
-            <a:pPr algn="ctr">
-              <a:buNone/>
-            </a:pPr>
-            <a:r>
-              <a:rPr lang="zh-TW" altLang="en-US" sz="5400" b="1" dirty="0">
-                <a:solidFill>
-                  <a:srgbClr val="660033"/>
-                </a:solidFill>
-                <a:latin typeface="微軟正黑體" pitchFamily="34" charset="-120"/>
-                <a:ea typeface="微軟正黑體" pitchFamily="34" charset="-120"/>
-              </a:rPr>
-              <a:t>我的心全然</a:t>
-            </a:r>
-            <a:r>
-              <a:rPr lang="zh-TW" altLang="en-US" sz="5400" b="1" dirty="0" smtClean="0">
-                <a:solidFill>
-                  <a:srgbClr val="660033"/>
-                </a:solidFill>
-                <a:latin typeface="微軟正黑體" pitchFamily="34" charset="-120"/>
-                <a:ea typeface="微軟正黑體" pitchFamily="34" charset="-120"/>
-              </a:rPr>
-              <a:t>向</a:t>
-            </a:r>
-            <a:r>
-              <a:rPr lang="zh-CN" altLang="en-US" sz="5400" b="1" dirty="0">
-                <a:solidFill>
-                  <a:srgbClr val="660033"/>
-                </a:solidFill>
-                <a:latin typeface="微軟正黑體" pitchFamily="34" charset="-120"/>
-                <a:ea typeface="微軟正黑體" pitchFamily="34" charset="-120"/>
-              </a:rPr>
-              <a:t>袮</a:t>
-            </a:r>
-            <a:endParaRPr lang="en-US" altLang="zh-TW" sz="5400" b="1" dirty="0">
-              <a:solidFill>
-                <a:srgbClr val="660033"/>
-              </a:solidFill>
-              <a:latin typeface="微軟正黑體" pitchFamily="34" charset="-120"/>
-              <a:ea typeface="微軟正黑體" pitchFamily="34" charset="-120"/>
-            </a:endParaRPr>
-          </a:p>
-          <a:p>
-            <a:pPr algn="ctr">
-              <a:buNone/>
-            </a:pPr>
-            <a:r>
-              <a:rPr lang="zh-TW" altLang="en-US" sz="5400" b="1" dirty="0">
-                <a:solidFill>
-                  <a:srgbClr val="660033"/>
-                </a:solidFill>
-                <a:latin typeface="微軟正黑體" pitchFamily="34" charset="-120"/>
-                <a:ea typeface="微軟正黑體" pitchFamily="34" charset="-120"/>
-              </a:rPr>
-              <a:t>當聖靈的恩膏滿溢</a:t>
-            </a:r>
-            <a:endParaRPr lang="en-US" altLang="zh-TW" sz="5400" b="1" dirty="0">
-              <a:solidFill>
-                <a:srgbClr val="660033"/>
-              </a:solidFill>
-              <a:latin typeface="微軟正黑體" pitchFamily="34" charset="-120"/>
-              <a:ea typeface="微軟正黑體" pitchFamily="34" charset="-120"/>
-            </a:endParaRPr>
-          </a:p>
-          <a:p>
-            <a:pPr algn="ctr">
-              <a:buNone/>
-            </a:pPr>
-            <a:r>
-              <a:rPr lang="zh-TW" altLang="en-US" sz="5400" b="1" dirty="0">
-                <a:solidFill>
-                  <a:srgbClr val="660033"/>
-                </a:solidFill>
-                <a:latin typeface="微軟正黑體" pitchFamily="34" charset="-120"/>
-                <a:ea typeface="微軟正黑體" pitchFamily="34" charset="-120"/>
-              </a:rPr>
-              <a:t>我的靈不再封閉</a:t>
-            </a:r>
-            <a:endParaRPr lang="zh-TW" altLang="en-US" sz="5400" b="1" dirty="0">
-              <a:solidFill>
-                <a:srgbClr val="660033"/>
-              </a:solidFill>
-              <a:latin typeface="微軟正黑體" pitchFamily="34" charset="-120"/>
-              <a:ea typeface="微軟正黑體" pitchFamily="34" charset="-120"/>
-            </a:endParaRPr>
-          </a:p>
-        </p:txBody>
-      </p:sp>
     </p:spTree>
+    <p:extLst>
+      <p:ext uri="{BB962C8B-B14F-4D97-AF65-F5344CB8AC3E}">
+        <p14:creationId xmlns:p14="http://schemas.microsoft.com/office/powerpoint/2010/main" val="3693675075"/>
+      </p:ext>
+    </p:extLst>
   </p:cSld>
   <p:clrMapOvr>
     <a:masterClrMapping/>
@@ -3275,46 +3190,63 @@
       </p:grpSpPr>
       <p:sp>
         <p:nvSpPr>
-          <p:cNvPr id="4" name="標題 3"/>
-          <p:cNvSpPr>
-            <a:spLocks noGrp="1"/>
-          </p:cNvSpPr>
-          <p:nvPr>
-            <p:ph type="title"/>
+          <p:cNvPr id="5" name="內容版面配置區 4"/>
+          <p:cNvSpPr>
+            <a:spLocks noGrp="1"/>
+          </p:cNvSpPr>
+          <p:nvPr>
+            <p:ph idx="1"/>
           </p:nvPr>
         </p:nvSpPr>
         <p:spPr>
           <a:xfrm>
-            <a:off x="1981200" y="0"/>
-            <a:ext cx="8229600" cy="1417638"/>
+            <a:off x="0" y="2084851"/>
+            <a:ext cx="12192000" cy="2404863"/>
           </a:xfrm>
         </p:spPr>
         <p:txBody>
-          <a:bodyPr/>
-          <a:lstStyle/>
-          <a:p>
-            <a:r>
-              <a:rPr lang="zh-TW" altLang="en-US" b="1" dirty="0" smtClean="0">
+          <a:bodyPr anchor="ctr">
+            <a:normAutofit/>
+          </a:bodyPr>
+          <a:lstStyle/>
+          <a:p>
+            <a:pPr algn="ctr">
+              <a:buNone/>
+            </a:pPr>
+            <a:r>
+              <a:rPr lang="zh-TW" altLang="en-US" sz="6400" b="1" dirty="0">
                 <a:solidFill>
                   <a:srgbClr val="660033"/>
                 </a:solidFill>
                 <a:latin typeface="微軟正黑體" pitchFamily="34" charset="-120"/>
                 <a:ea typeface="微軟正黑體" pitchFamily="34" charset="-120"/>
               </a:rPr>
-              <a:t>全然</a:t>
-            </a:r>
-            <a:r>
-              <a:rPr lang="zh-TW" altLang="en-US" b="1" dirty="0" smtClean="0">
+              <a:t>當讚美的旋律響起</a:t>
+            </a:r>
+            <a:endParaRPr lang="en-US" altLang="zh-TW" sz="6400" b="1" dirty="0">
+              <a:solidFill>
+                <a:srgbClr val="660033"/>
+              </a:solidFill>
+              <a:latin typeface="微軟正黑體" pitchFamily="34" charset="-120"/>
+              <a:ea typeface="微軟正黑體" pitchFamily="34" charset="-120"/>
+            </a:endParaRPr>
+          </a:p>
+          <a:p>
+            <a:pPr algn="ctr">
+              <a:buNone/>
+            </a:pPr>
+            <a:r>
+              <a:rPr lang="zh-TW" altLang="en-US" sz="6400" b="1" dirty="0">
                 <a:solidFill>
                   <a:srgbClr val="660033"/>
                 </a:solidFill>
                 <a:latin typeface="微軟正黑體" pitchFamily="34" charset="-120"/>
                 <a:ea typeface="微軟正黑體" pitchFamily="34" charset="-120"/>
               </a:rPr>
-              <a:t>向</a:t>
-            </a:r>
-            <a:r>
-              <a:rPr lang="zh-CN" altLang="en-US" b="1" dirty="0">
+              <a:t>我的心全然向</a:t>
+            </a:r>
+            <a:r>
+              <a:rPr lang="zh-CN" altLang="en-US" sz="6400" b="1" dirty="0">
                 <a:solidFill>
                   <a:srgbClr val="660033"/>
                 </a:solidFill>
@@ -3323,7 +3255,7 @@
               </a:rPr>
               <a:t>袮</a:t>
             </a:r>
-            <a:endParaRPr lang="zh-TW" altLang="en-US" b="1" dirty="0">
+            <a:endParaRPr lang="en-US" altLang="zh-TW" sz="6400" b="1" dirty="0">
               <a:solidFill>
                 <a:srgbClr val="660033"/>
               </a:solidFill>
@@ -3333,106 +3265,12 @@
           </a:p>
         </p:txBody>
       </p:sp>
-      <p:sp>
-        <p:nvSpPr>
-          <p:cNvPr id="5" name="內容版面配置區 4"/>
-          <p:cNvSpPr>
-            <a:spLocks noGrp="1"/>
-          </p:cNvSpPr>
-          <p:nvPr>
-            <p:ph idx="1"/>
-          </p:nvPr>
-        </p:nvSpPr>
-        <p:spPr/>
-        <p:txBody>
-          <a:bodyPr>
-            <a:normAutofit/>
-          </a:bodyPr>
-          <a:lstStyle/>
-          <a:p>
-            <a:pPr algn="ctr">
-              <a:buNone/>
-            </a:pPr>
-            <a:r>
-              <a:rPr lang="zh-TW" altLang="en-US" sz="5400" b="1" dirty="0">
-                <a:solidFill>
-                  <a:srgbClr val="660033"/>
-                </a:solidFill>
-                <a:latin typeface="微軟正黑體" pitchFamily="34" charset="-120"/>
-                <a:ea typeface="微軟正黑體" pitchFamily="34" charset="-120"/>
-              </a:rPr>
-              <a:t>讚美的輕泉如春雨沐浴</a:t>
-            </a:r>
-            <a:endParaRPr lang="en-US" altLang="zh-TW" sz="5400" b="1" dirty="0">
-              <a:solidFill>
-                <a:srgbClr val="660033"/>
-              </a:solidFill>
-              <a:latin typeface="微軟正黑體" pitchFamily="34" charset="-120"/>
-              <a:ea typeface="微軟正黑體" pitchFamily="34" charset="-120"/>
-            </a:endParaRPr>
-          </a:p>
-          <a:p>
-            <a:pPr algn="ctr">
-              <a:buNone/>
-            </a:pPr>
-            <a:r>
-              <a:rPr lang="zh-TW" altLang="en-US" sz="5400" b="1" dirty="0">
-                <a:solidFill>
-                  <a:srgbClr val="660033"/>
-                </a:solidFill>
-                <a:latin typeface="微軟正黑體" pitchFamily="34" charset="-120"/>
-                <a:ea typeface="微軟正黑體" pitchFamily="34" charset="-120"/>
-              </a:rPr>
-              <a:t>我心中的喜樂川流不息</a:t>
-            </a:r>
-            <a:endParaRPr lang="en-US" altLang="zh-TW" sz="5400" b="1" dirty="0">
-              <a:solidFill>
-                <a:srgbClr val="660033"/>
-              </a:solidFill>
-              <a:latin typeface="微軟正黑體" pitchFamily="34" charset="-120"/>
-              <a:ea typeface="微軟正黑體" pitchFamily="34" charset="-120"/>
-            </a:endParaRPr>
-          </a:p>
-          <a:p>
-            <a:pPr algn="ctr">
-              <a:buNone/>
-            </a:pPr>
-            <a:r>
-              <a:rPr lang="zh-TW" altLang="en-US" sz="5400" b="1" dirty="0">
-                <a:solidFill>
-                  <a:srgbClr val="660033"/>
-                </a:solidFill>
-                <a:latin typeface="微軟正黑體" pitchFamily="34" charset="-120"/>
-                <a:ea typeface="微軟正黑體" pitchFamily="34" charset="-120"/>
-              </a:rPr>
-              <a:t>讚美的音符如雪花飄逸</a:t>
-            </a:r>
-            <a:endParaRPr lang="en-US" altLang="zh-TW" sz="5400" b="1" dirty="0">
-              <a:solidFill>
-                <a:srgbClr val="660033"/>
-              </a:solidFill>
-              <a:latin typeface="微軟正黑體" pitchFamily="34" charset="-120"/>
-              <a:ea typeface="微軟正黑體" pitchFamily="34" charset="-120"/>
-            </a:endParaRPr>
-          </a:p>
-          <a:p>
-            <a:pPr algn="ctr">
-              <a:buNone/>
-            </a:pPr>
-            <a:r>
-              <a:rPr lang="zh-TW" altLang="en-US" sz="5400" b="1" dirty="0">
-                <a:solidFill>
-                  <a:srgbClr val="660033"/>
-                </a:solidFill>
-                <a:latin typeface="微軟正黑體" pitchFamily="34" charset="-120"/>
-                <a:ea typeface="微軟正黑體" pitchFamily="34" charset="-120"/>
-              </a:rPr>
-              <a:t>心中的暖流冉冉升起</a:t>
-            </a:r>
-          </a:p>
-        </p:txBody>
-      </p:sp>
     </p:spTree>
+    <p:extLst>
+      <p:ext uri="{BB962C8B-B14F-4D97-AF65-F5344CB8AC3E}">
+        <p14:creationId xmlns:p14="http://schemas.microsoft.com/office/powerpoint/2010/main" val="694606604"/>
+      </p:ext>
+    </p:extLst>
   </p:cSld>
   <p:clrMapOvr>
     <a:masterClrMapping/>
@@ -3459,46 +3297,332 @@
       </p:grpSpPr>
       <p:sp>
         <p:nvSpPr>
-          <p:cNvPr id="4" name="標題 3"/>
-          <p:cNvSpPr>
-            <a:spLocks noGrp="1"/>
-          </p:cNvSpPr>
-          <p:nvPr>
-            <p:ph type="title"/>
+          <p:cNvPr id="5" name="內容版面配置區 4"/>
+          <p:cNvSpPr>
+            <a:spLocks noGrp="1"/>
+          </p:cNvSpPr>
+          <p:nvPr>
+            <p:ph idx="1"/>
           </p:nvPr>
         </p:nvSpPr>
         <p:spPr>
           <a:xfrm>
-            <a:off x="1981200" y="0"/>
-            <a:ext cx="8229600" cy="1417638"/>
+            <a:off x="0" y="2084851"/>
+            <a:ext cx="12192000" cy="2404863"/>
           </a:xfrm>
         </p:spPr>
         <p:txBody>
-          <a:bodyPr/>
-          <a:lstStyle/>
-          <a:p>
-            <a:r>
-              <a:rPr lang="zh-TW" altLang="en-US" b="1" dirty="0" smtClean="0">
+          <a:bodyPr anchor="ctr">
+            <a:normAutofit/>
+          </a:bodyPr>
+          <a:lstStyle/>
+          <a:p>
+            <a:pPr algn="ctr">
+              <a:buNone/>
+            </a:pPr>
+            <a:r>
+              <a:rPr lang="zh-TW" altLang="en-US" sz="6400" b="1" dirty="0">
                 <a:solidFill>
                   <a:srgbClr val="660033"/>
                 </a:solidFill>
                 <a:latin typeface="微軟正黑體" pitchFamily="34" charset="-120"/>
                 <a:ea typeface="微軟正黑體" pitchFamily="34" charset="-120"/>
               </a:rPr>
-              <a:t>全然</a:t>
-            </a:r>
-            <a:r>
-              <a:rPr lang="zh-TW" altLang="en-US" b="1" dirty="0" smtClean="0">
+              <a:t>當聖靈的恩膏滿溢</a:t>
+            </a:r>
+            <a:endParaRPr lang="en-US" altLang="zh-TW" sz="6400" b="1" dirty="0">
+              <a:solidFill>
+                <a:srgbClr val="660033"/>
+              </a:solidFill>
+              <a:latin typeface="微軟正黑體" pitchFamily="34" charset="-120"/>
+              <a:ea typeface="微軟正黑體" pitchFamily="34" charset="-120"/>
+            </a:endParaRPr>
+          </a:p>
+          <a:p>
+            <a:pPr algn="ctr">
+              <a:buNone/>
+            </a:pPr>
+            <a:r>
+              <a:rPr lang="zh-TW" altLang="en-US" sz="6400" b="1" dirty="0">
                 <a:solidFill>
                   <a:srgbClr val="660033"/>
                 </a:solidFill>
                 <a:latin typeface="微軟正黑體" pitchFamily="34" charset="-120"/>
                 <a:ea typeface="微軟正黑體" pitchFamily="34" charset="-120"/>
               </a:rPr>
-              <a:t>向</a:t>
-            </a:r>
-            <a:r>
-              <a:rPr lang="zh-CN" altLang="en-US" b="1" dirty="0">
+              <a:t>我的靈不再封閉</a:t>
+            </a:r>
+            <a:endParaRPr lang="zh-TW" altLang="en-US" sz="6400" b="1" dirty="0">
+              <a:solidFill>
+                <a:srgbClr val="660033"/>
+              </a:solidFill>
+              <a:latin typeface="微軟正黑體" pitchFamily="34" charset="-120"/>
+              <a:ea typeface="微軟正黑體" pitchFamily="34" charset="-120"/>
+            </a:endParaRPr>
+          </a:p>
+        </p:txBody>
+      </p:sp>
+    </p:spTree>
+    <p:extLst>
+      <p:ext uri="{BB962C8B-B14F-4D97-AF65-F5344CB8AC3E}">
+        <p14:creationId xmlns:p14="http://schemas.microsoft.com/office/powerpoint/2010/main" val="3076104177"/>
+      </p:ext>
+    </p:extLst>
+  </p:cSld>
+  <p:clrMapOvr>
+    <a:masterClrMapping/>
+  </p:clrMapOvr>
+</p:sld>
+</file>
+
+<file path=ppt/slides/slide4.xml><?xml version="1.0" encoding="utf-8"?>
+<p:sld xmlns:a="http://schemas.openxmlformats.org/drawingml/2006/main" xmlns:r="http://schemas.openxmlformats.org/officeDocument/2006/relationships" xmlns:p="http://schemas.openxmlformats.org/presentationml/2006/main">
+  <p:cSld>
+    <p:spTree>
+      <p:nvGrpSpPr>
+        <p:cNvPr id="1" name=""/>
+        <p:cNvGrpSpPr/>
+        <p:nvPr/>
+      </p:nvGrpSpPr>
+      <p:grpSpPr>
+        <a:xfrm>
+          <a:off x="0" y="0"/>
+          <a:ext cx="0" cy="0"/>
+          <a:chOff x="0" y="0"/>
+          <a:chExt cx="0" cy="0"/>
+        </a:xfrm>
+      </p:grpSpPr>
+      <p:sp>
+        <p:nvSpPr>
+          <p:cNvPr id="5" name="內容版面配置區 4"/>
+          <p:cNvSpPr>
+            <a:spLocks noGrp="1"/>
+          </p:cNvSpPr>
+          <p:nvPr>
+            <p:ph idx="1"/>
+          </p:nvPr>
+        </p:nvSpPr>
+        <p:spPr>
+          <a:xfrm>
+            <a:off x="0" y="2084851"/>
+            <a:ext cx="12192000" cy="2404863"/>
+          </a:xfrm>
+        </p:spPr>
+        <p:txBody>
+          <a:bodyPr anchor="ctr">
+            <a:normAutofit/>
+          </a:bodyPr>
+          <a:lstStyle/>
+          <a:p>
+            <a:pPr algn="ctr">
+              <a:buNone/>
+            </a:pPr>
+            <a:r>
+              <a:rPr lang="zh-TW" altLang="en-US" sz="6400" b="1" dirty="0">
+                <a:solidFill>
+                  <a:srgbClr val="660033"/>
+                </a:solidFill>
+                <a:latin typeface="微軟正黑體" pitchFamily="34" charset="-120"/>
+                <a:ea typeface="微軟正黑體" pitchFamily="34" charset="-120"/>
+              </a:rPr>
+              <a:t>讚美的輕泉如春雨沐浴</a:t>
+            </a:r>
+            <a:endParaRPr lang="en-US" altLang="zh-TW" sz="6400" b="1" dirty="0">
+              <a:solidFill>
+                <a:srgbClr val="660033"/>
+              </a:solidFill>
+              <a:latin typeface="微軟正黑體" pitchFamily="34" charset="-120"/>
+              <a:ea typeface="微軟正黑體" pitchFamily="34" charset="-120"/>
+            </a:endParaRPr>
+          </a:p>
+          <a:p>
+            <a:pPr algn="ctr">
+              <a:buNone/>
+            </a:pPr>
+            <a:r>
+              <a:rPr lang="zh-TW" altLang="en-US" sz="6400" b="1" dirty="0">
+                <a:solidFill>
+                  <a:srgbClr val="660033"/>
+                </a:solidFill>
+                <a:latin typeface="微軟正黑體" pitchFamily="34" charset="-120"/>
+                <a:ea typeface="微軟正黑體" pitchFamily="34" charset="-120"/>
+              </a:rPr>
+              <a:t>我心中的喜樂川流不息</a:t>
+            </a:r>
+            <a:endParaRPr lang="en-US" altLang="zh-TW" sz="6400" b="1" dirty="0">
+              <a:solidFill>
+                <a:srgbClr val="660033"/>
+              </a:solidFill>
+              <a:latin typeface="微軟正黑體" pitchFamily="34" charset="-120"/>
+              <a:ea typeface="微軟正黑體" pitchFamily="34" charset="-120"/>
+            </a:endParaRPr>
+          </a:p>
+        </p:txBody>
+      </p:sp>
+    </p:spTree>
+    <p:extLst>
+      <p:ext uri="{BB962C8B-B14F-4D97-AF65-F5344CB8AC3E}">
+        <p14:creationId xmlns:p14="http://schemas.microsoft.com/office/powerpoint/2010/main" val="1819252444"/>
+      </p:ext>
+    </p:extLst>
+  </p:cSld>
+  <p:clrMapOvr>
+    <a:masterClrMapping/>
+  </p:clrMapOvr>
+</p:sld>
+</file>
+
+<file path=ppt/slides/slide5.xml><?xml version="1.0" encoding="utf-8"?>
+<p:sld xmlns:a="http://schemas.openxmlformats.org/drawingml/2006/main" xmlns:r="http://schemas.openxmlformats.org/officeDocument/2006/relationships" xmlns:p="http://schemas.openxmlformats.org/presentationml/2006/main">
+  <p:cSld>
+    <p:spTree>
+      <p:nvGrpSpPr>
+        <p:cNvPr id="1" name=""/>
+        <p:cNvGrpSpPr/>
+        <p:nvPr/>
+      </p:nvGrpSpPr>
+      <p:grpSpPr>
+        <a:xfrm>
+          <a:off x="0" y="0"/>
+          <a:ext cx="0" cy="0"/>
+          <a:chOff x="0" y="0"/>
+          <a:chExt cx="0" cy="0"/>
+        </a:xfrm>
+      </p:grpSpPr>
+      <p:sp>
+        <p:nvSpPr>
+          <p:cNvPr id="5" name="內容版面配置區 4"/>
+          <p:cNvSpPr>
+            <a:spLocks noGrp="1"/>
+          </p:cNvSpPr>
+          <p:nvPr>
+            <p:ph idx="1"/>
+          </p:nvPr>
+        </p:nvSpPr>
+        <p:spPr>
+          <a:xfrm>
+            <a:off x="0" y="2084851"/>
+            <a:ext cx="12192000" cy="2404863"/>
+          </a:xfrm>
+        </p:spPr>
+        <p:txBody>
+          <a:bodyPr anchor="ctr">
+            <a:normAutofit/>
+          </a:bodyPr>
+          <a:lstStyle/>
+          <a:p>
+            <a:pPr algn="ctr">
+              <a:buNone/>
+            </a:pPr>
+            <a:r>
+              <a:rPr lang="zh-TW" altLang="en-US" sz="6400" b="1" dirty="0">
+                <a:solidFill>
+                  <a:srgbClr val="660033"/>
+                </a:solidFill>
+                <a:latin typeface="微軟正黑體" pitchFamily="34" charset="-120"/>
+                <a:ea typeface="微軟正黑體" pitchFamily="34" charset="-120"/>
+              </a:rPr>
+              <a:t>讚美的音符如雪花飄逸</a:t>
+            </a:r>
+            <a:endParaRPr lang="en-US" altLang="zh-TW" sz="6400" b="1" dirty="0">
+              <a:solidFill>
+                <a:srgbClr val="660033"/>
+              </a:solidFill>
+              <a:latin typeface="微軟正黑體" pitchFamily="34" charset="-120"/>
+              <a:ea typeface="微軟正黑體" pitchFamily="34" charset="-120"/>
+            </a:endParaRPr>
+          </a:p>
+          <a:p>
+            <a:pPr algn="ctr">
+              <a:buNone/>
+            </a:pPr>
+            <a:r>
+              <a:rPr lang="zh-TW" altLang="en-US" sz="6400" b="1" dirty="0">
+                <a:solidFill>
+                  <a:srgbClr val="660033"/>
+                </a:solidFill>
+                <a:latin typeface="微軟正黑體" pitchFamily="34" charset="-120"/>
+                <a:ea typeface="微軟正黑體" pitchFamily="34" charset="-120"/>
+              </a:rPr>
+              <a:t>心中的暖流冉冉升起</a:t>
+            </a:r>
+            <a:endParaRPr lang="zh-TW" altLang="en-US" sz="6400" b="1" dirty="0">
+              <a:solidFill>
+                <a:srgbClr val="660033"/>
+              </a:solidFill>
+              <a:latin typeface="微軟正黑體" pitchFamily="34" charset="-120"/>
+              <a:ea typeface="微軟正黑體" pitchFamily="34" charset="-120"/>
+            </a:endParaRPr>
+          </a:p>
+        </p:txBody>
+      </p:sp>
+    </p:spTree>
+    <p:extLst>
+      <p:ext uri="{BB962C8B-B14F-4D97-AF65-F5344CB8AC3E}">
+        <p14:creationId xmlns:p14="http://schemas.microsoft.com/office/powerpoint/2010/main" val="1634962483"/>
+      </p:ext>
+    </p:extLst>
+  </p:cSld>
+  <p:clrMapOvr>
+    <a:masterClrMapping/>
+  </p:clrMapOvr>
+</p:sld>
+</file>
+
+<file path=ppt/slides/slide6.xml><?xml version="1.0" encoding="utf-8"?>
+<p:sld xmlns:a="http://schemas.openxmlformats.org/drawingml/2006/main" xmlns:r="http://schemas.openxmlformats.org/officeDocument/2006/relationships" xmlns:p="http://schemas.openxmlformats.org/presentationml/2006/main">
+  <p:cSld>
+    <p:spTree>
+      <p:nvGrpSpPr>
+        <p:cNvPr id="1" name=""/>
+        <p:cNvGrpSpPr/>
+        <p:nvPr/>
+      </p:nvGrpSpPr>
+      <p:grpSpPr>
+        <a:xfrm>
+          <a:off x="0" y="0"/>
+          <a:ext cx="0" cy="0"/>
+          <a:chOff x="0" y="0"/>
+          <a:chExt cx="0" cy="0"/>
+        </a:xfrm>
+      </p:grpSpPr>
+      <p:sp>
+        <p:nvSpPr>
+          <p:cNvPr id="5" name="內容版面配置區 4"/>
+          <p:cNvSpPr>
+            <a:spLocks noGrp="1"/>
+          </p:cNvSpPr>
+          <p:nvPr>
+            <p:ph idx="1"/>
+          </p:nvPr>
+        </p:nvSpPr>
+        <p:spPr>
+          <a:xfrm>
+            <a:off x="0" y="2084851"/>
+            <a:ext cx="12192000" cy="2404863"/>
+          </a:xfrm>
+        </p:spPr>
+        <p:txBody>
+          <a:bodyPr anchor="ctr">
+            <a:normAutofit/>
+          </a:bodyPr>
+          <a:lstStyle/>
+          <a:p>
+            <a:pPr algn="ctr">
+              <a:buNone/>
+            </a:pPr>
+            <a:r>
+              <a:rPr lang="zh-TW" altLang="en-US" sz="6400" b="1" dirty="0">
+                <a:solidFill>
+                  <a:srgbClr val="660033"/>
+                </a:solidFill>
+                <a:latin typeface="微軟正黑體" pitchFamily="34" charset="-120"/>
+                <a:ea typeface="微軟正黑體" pitchFamily="34" charset="-120"/>
+              </a:rPr>
+              <a:t>我要開口向</a:t>
+            </a:r>
+            <a:r>
+              <a:rPr lang="zh-CN" altLang="en-US" sz="6400" b="1" dirty="0">
                 <a:solidFill>
                   <a:srgbClr val="660033"/>
                 </a:solidFill>
@@ -3507,7 +3631,17 @@
               </a:rPr>
               <a:t>袮</a:t>
             </a:r>
-            <a:endParaRPr lang="zh-TW" altLang="en-US" b="1" dirty="0">
+            <a:r>
+              <a:rPr lang="zh-TW" altLang="en-US" sz="6400" b="1" dirty="0">
+                <a:solidFill>
+                  <a:srgbClr val="660033"/>
+                </a:solidFill>
+                <a:latin typeface="微軟正黑體" pitchFamily="34" charset="-120"/>
+                <a:ea typeface="微軟正黑體" pitchFamily="34" charset="-120"/>
+              </a:rPr>
+              <a:t>讚美稱謝</a:t>
+            </a:r>
+            <a:endParaRPr lang="en-US" altLang="zh-TW" sz="6400" b="1" dirty="0">
               <a:solidFill>
                 <a:srgbClr val="660033"/>
               </a:solidFill>
@@ -3515,55 +3649,172 @@
               <a:ea typeface="微軟正黑體" pitchFamily="34" charset="-120"/>
             </a:endParaRPr>
           </a:p>
-        </p:txBody>
-      </p:sp>
-      <p:sp>
-        <p:nvSpPr>
-          <p:cNvPr id="5" name="內容版面配置區 4"/>
-          <p:cNvSpPr>
-            <a:spLocks noGrp="1"/>
-          </p:cNvSpPr>
-          <p:nvPr>
-            <p:ph idx="1"/>
-          </p:nvPr>
-        </p:nvSpPr>
-        <p:spPr>
-          <a:xfrm>
-            <a:off x="1981200" y="1142984"/>
-            <a:ext cx="8229600" cy="5715016"/>
-          </a:xfrm>
-        </p:spPr>
-        <p:txBody>
-          <a:bodyPr>
-            <a:noAutofit/>
-          </a:bodyPr>
-          <a:lstStyle/>
           <a:p>
             <a:pPr algn="ctr">
               <a:buNone/>
             </a:pPr>
             <a:r>
-              <a:rPr lang="zh-TW" altLang="en-US" sz="5400" b="1" dirty="0">
+              <a:rPr lang="zh-TW" altLang="en-US" sz="6400" b="1" dirty="0">
                 <a:solidFill>
                   <a:srgbClr val="660033"/>
                 </a:solidFill>
                 <a:latin typeface="微軟正黑體" pitchFamily="34" charset="-120"/>
                 <a:ea typeface="微軟正黑體" pitchFamily="34" charset="-120"/>
               </a:rPr>
-              <a:t>我要開口</a:t>
-            </a:r>
-            <a:r>
-              <a:rPr lang="zh-TW" altLang="en-US" sz="5400" b="1" dirty="0" smtClean="0">
+              <a:t>永永遠遠讚美不停</a:t>
+            </a:r>
+            <a:endParaRPr lang="en-US" altLang="zh-TW" sz="6400" b="1" dirty="0">
+              <a:solidFill>
+                <a:srgbClr val="660033"/>
+              </a:solidFill>
+              <a:latin typeface="微軟正黑體" pitchFamily="34" charset="-120"/>
+              <a:ea typeface="微軟正黑體" pitchFamily="34" charset="-120"/>
+            </a:endParaRPr>
+          </a:p>
+        </p:txBody>
+      </p:sp>
+    </p:spTree>
+    <p:extLst>
+      <p:ext uri="{BB962C8B-B14F-4D97-AF65-F5344CB8AC3E}">
+        <p14:creationId xmlns:p14="http://schemas.microsoft.com/office/powerpoint/2010/main" val="468560495"/>
+      </p:ext>
+    </p:extLst>
+  </p:cSld>
+  <p:clrMapOvr>
+    <a:masterClrMapping/>
+  </p:clrMapOvr>
+</p:sld>
+</file>
+
+<file path=ppt/slides/slide7.xml><?xml version="1.0" encoding="utf-8"?>
+<p:sld xmlns:a="http://schemas.openxmlformats.org/drawingml/2006/main" xmlns:r="http://schemas.openxmlformats.org/officeDocument/2006/relationships" xmlns:p="http://schemas.openxmlformats.org/presentationml/2006/main">
+  <p:cSld>
+    <p:spTree>
+      <p:nvGrpSpPr>
+        <p:cNvPr id="1" name=""/>
+        <p:cNvGrpSpPr/>
+        <p:nvPr/>
+      </p:nvGrpSpPr>
+      <p:grpSpPr>
+        <a:xfrm>
+          <a:off x="0" y="0"/>
+          <a:ext cx="0" cy="0"/>
+          <a:chOff x="0" y="0"/>
+          <a:chExt cx="0" cy="0"/>
+        </a:xfrm>
+      </p:grpSpPr>
+      <p:sp>
+        <p:nvSpPr>
+          <p:cNvPr id="5" name="內容版面配置區 4"/>
+          <p:cNvSpPr>
+            <a:spLocks noGrp="1"/>
+          </p:cNvSpPr>
+          <p:nvPr>
+            <p:ph idx="1"/>
+          </p:nvPr>
+        </p:nvSpPr>
+        <p:spPr>
+          <a:xfrm>
+            <a:off x="0" y="2084851"/>
+            <a:ext cx="12192000" cy="2404863"/>
+          </a:xfrm>
+        </p:spPr>
+        <p:txBody>
+          <a:bodyPr anchor="ctr">
+            <a:normAutofit/>
+          </a:bodyPr>
+          <a:lstStyle/>
+          <a:p>
+            <a:pPr algn="ctr">
+              <a:buNone/>
+            </a:pPr>
+            <a:r>
+              <a:rPr lang="zh-TW" altLang="en-US" sz="6400" b="1" dirty="0">
                 <a:solidFill>
                   <a:srgbClr val="660033"/>
                 </a:solidFill>
                 <a:latin typeface="微軟正黑體" pitchFamily="34" charset="-120"/>
                 <a:ea typeface="微軟正黑體" pitchFamily="34" charset="-120"/>
               </a:rPr>
-              <a:t>向</a:t>
-            </a:r>
-            <a:r>
-              <a:rPr lang="zh-CN" altLang="en-US" sz="5400" b="1" dirty="0">
+              <a:t>永永遠遠稱謝不已</a:t>
+            </a:r>
+            <a:endParaRPr lang="en-US" altLang="zh-TW" sz="6400" b="1" dirty="0">
+              <a:solidFill>
+                <a:srgbClr val="660033"/>
+              </a:solidFill>
+              <a:latin typeface="微軟正黑體" pitchFamily="34" charset="-120"/>
+              <a:ea typeface="微軟正黑體" pitchFamily="34" charset="-120"/>
+            </a:endParaRPr>
+          </a:p>
+        </p:txBody>
+      </p:sp>
+    </p:spTree>
+    <p:extLst>
+      <p:ext uri="{BB962C8B-B14F-4D97-AF65-F5344CB8AC3E}">
+        <p14:creationId xmlns:p14="http://schemas.microsoft.com/office/powerpoint/2010/main" val="3640351330"/>
+      </p:ext>
+    </p:extLst>
+  </p:cSld>
+  <p:clrMapOvr>
+    <a:masterClrMapping/>
+  </p:clrMapOvr>
+</p:sld>
+</file>
+
+<file path=ppt/slides/slide8.xml><?xml version="1.0" encoding="utf-8"?>
+<p:sld xmlns:a="http://schemas.openxmlformats.org/drawingml/2006/main" xmlns:r="http://schemas.openxmlformats.org/officeDocument/2006/relationships" xmlns:p="http://schemas.openxmlformats.org/presentationml/2006/main">
+  <p:cSld>
+    <p:spTree>
+      <p:nvGrpSpPr>
+        <p:cNvPr id="1" name=""/>
+        <p:cNvGrpSpPr/>
+        <p:nvPr/>
+      </p:nvGrpSpPr>
+      <p:grpSpPr>
+        <a:xfrm>
+          <a:off x="0" y="0"/>
+          <a:ext cx="0" cy="0"/>
+          <a:chOff x="0" y="0"/>
+          <a:chExt cx="0" cy="0"/>
+        </a:xfrm>
+      </p:grpSpPr>
+      <p:sp>
+        <p:nvSpPr>
+          <p:cNvPr id="5" name="內容版面配置區 4"/>
+          <p:cNvSpPr>
+            <a:spLocks noGrp="1"/>
+          </p:cNvSpPr>
+          <p:nvPr>
+            <p:ph idx="1"/>
+          </p:nvPr>
+        </p:nvSpPr>
+        <p:spPr>
+          <a:xfrm>
+            <a:off x="0" y="2084851"/>
+            <a:ext cx="12192000" cy="2404863"/>
+          </a:xfrm>
+        </p:spPr>
+        <p:txBody>
+          <a:bodyPr anchor="ctr">
+            <a:normAutofit/>
+          </a:bodyPr>
+          <a:lstStyle/>
+          <a:p>
+            <a:pPr algn="ctr">
+              <a:buNone/>
+            </a:pPr>
+            <a:r>
+              <a:rPr lang="zh-TW" altLang="en-US" sz="6400" b="1" dirty="0">
+                <a:solidFill>
+                  <a:srgbClr val="660033"/>
+                </a:solidFill>
+                <a:latin typeface="微軟正黑體" pitchFamily="34" charset="-120"/>
+                <a:ea typeface="微軟正黑體" pitchFamily="34" charset="-120"/>
+              </a:rPr>
+              <a:t>我要欣然向</a:t>
+            </a:r>
+            <a:r>
+              <a:rPr lang="zh-CN" altLang="en-US" sz="6400" b="1" dirty="0">
                 <a:solidFill>
                   <a:srgbClr val="660033"/>
                 </a:solidFill>
@@ -3573,26 +3824,16 @@
               <a:t>袮</a:t>
             </a:r>
             <a:r>
-              <a:rPr lang="zh-TW" altLang="en-US" sz="5400" b="1" dirty="0" smtClean="0">
+              <a:rPr lang="zh-TW" altLang="en-US" sz="6400" b="1" dirty="0">
                 <a:solidFill>
                   <a:srgbClr val="660033"/>
                 </a:solidFill>
                 <a:latin typeface="微軟正黑體" pitchFamily="34" charset="-120"/>
                 <a:ea typeface="微軟正黑體" pitchFamily="34" charset="-120"/>
               </a:rPr>
-              <a:t>讚</a:t>
-            </a:r>
-            <a:r>
-              <a:rPr lang="zh-TW" altLang="en-US" sz="5400" b="1" dirty="0">
-                <a:solidFill>
-                  <a:srgbClr val="660033"/>
-                </a:solidFill>
-                <a:latin typeface="微軟正黑體" pitchFamily="34" charset="-120"/>
-                <a:ea typeface="微軟正黑體" pitchFamily="34" charset="-120"/>
-              </a:rPr>
-              <a:t>美稱謝</a:t>
-            </a:r>
-            <a:endParaRPr lang="en-US" altLang="zh-TW" sz="5400" b="1" dirty="0">
+              <a:t>獻上自己</a:t>
+            </a:r>
+            <a:endParaRPr lang="en-US" altLang="zh-TW" sz="6400" b="1" dirty="0">
               <a:solidFill>
                 <a:srgbClr val="660033"/>
               </a:solidFill>
@@ -3605,113 +3846,7 @@
               <a:buNone/>
             </a:pPr>
             <a:r>
-              <a:rPr lang="zh-TW" altLang="en-US" sz="5400" b="1" dirty="0">
-                <a:solidFill>
-                  <a:srgbClr val="660033"/>
-                </a:solidFill>
-                <a:latin typeface="微軟正黑體" pitchFamily="34" charset="-120"/>
-                <a:ea typeface="微軟正黑體" pitchFamily="34" charset="-120"/>
-              </a:rPr>
-              <a:t>永永遠遠讚美不停</a:t>
-            </a:r>
-            <a:endParaRPr lang="en-US" altLang="zh-TW" sz="5400" b="1" dirty="0">
-              <a:solidFill>
-                <a:srgbClr val="660033"/>
-              </a:solidFill>
-              <a:latin typeface="微軟正黑體" pitchFamily="34" charset="-120"/>
-              <a:ea typeface="微軟正黑體" pitchFamily="34" charset="-120"/>
-            </a:endParaRPr>
-          </a:p>
-          <a:p>
-            <a:pPr algn="ctr">
-              <a:buNone/>
-            </a:pPr>
-            <a:r>
-              <a:rPr lang="zh-TW" altLang="en-US" sz="5400" b="1" dirty="0">
-                <a:solidFill>
-                  <a:srgbClr val="660033"/>
-                </a:solidFill>
-                <a:latin typeface="微軟正黑體" pitchFamily="34" charset="-120"/>
-                <a:ea typeface="微軟正黑體" pitchFamily="34" charset="-120"/>
-              </a:rPr>
-              <a:t>永永遠遠稱謝不已</a:t>
-            </a:r>
-            <a:endParaRPr lang="en-US" altLang="zh-TW" sz="5400" b="1" dirty="0">
-              <a:solidFill>
-                <a:srgbClr val="660033"/>
-              </a:solidFill>
-              <a:latin typeface="微軟正黑體" pitchFamily="34" charset="-120"/>
-              <a:ea typeface="微軟正黑體" pitchFamily="34" charset="-120"/>
-            </a:endParaRPr>
-          </a:p>
-          <a:p>
-            <a:pPr algn="ctr">
-              <a:buNone/>
-            </a:pPr>
-            <a:r>
-              <a:rPr lang="zh-TW" altLang="en-US" sz="5400" b="1" dirty="0">
-                <a:solidFill>
-                  <a:srgbClr val="660033"/>
-                </a:solidFill>
-                <a:latin typeface="微軟正黑體" pitchFamily="34" charset="-120"/>
-                <a:ea typeface="微軟正黑體" pitchFamily="34" charset="-120"/>
-              </a:rPr>
-              <a:t>我要欣然</a:t>
-            </a:r>
-            <a:r>
-              <a:rPr lang="zh-TW" altLang="en-US" sz="5400" b="1" dirty="0" smtClean="0">
-                <a:solidFill>
-                  <a:srgbClr val="660033"/>
-                </a:solidFill>
-                <a:latin typeface="微軟正黑體" pitchFamily="34" charset="-120"/>
-                <a:ea typeface="微軟正黑體" pitchFamily="34" charset="-120"/>
-              </a:rPr>
-              <a:t>向</a:t>
-            </a:r>
-            <a:r>
-              <a:rPr lang="zh-CN" altLang="en-US" sz="5400" b="1" dirty="0">
-                <a:solidFill>
-                  <a:srgbClr val="660033"/>
-                </a:solidFill>
-                <a:latin typeface="微軟正黑體" pitchFamily="34" charset="-120"/>
-                <a:ea typeface="微軟正黑體" pitchFamily="34" charset="-120"/>
-              </a:rPr>
-              <a:t>袮</a:t>
-            </a:r>
-            <a:r>
-              <a:rPr lang="zh-TW" altLang="en-US" sz="5400" b="1" dirty="0" smtClean="0">
-                <a:solidFill>
-                  <a:srgbClr val="660033"/>
-                </a:solidFill>
-                <a:latin typeface="微軟正黑體" pitchFamily="34" charset="-120"/>
-                <a:ea typeface="微軟正黑體" pitchFamily="34" charset="-120"/>
-              </a:rPr>
-              <a:t>獻</a:t>
-            </a:r>
-            <a:r>
-              <a:rPr lang="zh-TW" altLang="en-US" sz="5400" b="1" dirty="0">
-                <a:solidFill>
-                  <a:srgbClr val="660033"/>
-                </a:solidFill>
-                <a:latin typeface="微軟正黑體" pitchFamily="34" charset="-120"/>
-                <a:ea typeface="微軟正黑體" pitchFamily="34" charset="-120"/>
-              </a:rPr>
-              <a:t>上自己</a:t>
-            </a:r>
-            <a:endParaRPr lang="en-US" altLang="zh-TW" sz="5400" b="1" dirty="0">
-              <a:solidFill>
-                <a:srgbClr val="660033"/>
-              </a:solidFill>
-              <a:latin typeface="微軟正黑體" pitchFamily="34" charset="-120"/>
-              <a:ea typeface="微軟正黑體" pitchFamily="34" charset="-120"/>
-            </a:endParaRPr>
-          </a:p>
-          <a:p>
-            <a:pPr algn="ctr">
-              <a:buNone/>
-            </a:pPr>
-            <a:r>
-              <a:rPr lang="zh-TW" altLang="en-US" sz="5400" b="1" dirty="0">
+              <a:rPr lang="zh-TW" altLang="en-US" sz="6400" b="1" dirty="0">
                 <a:solidFill>
                   <a:srgbClr val="660033"/>
                 </a:solidFill>
@@ -3720,7 +3855,7 @@
               </a:rPr>
               <a:t>一生一世獻上自己</a:t>
             </a:r>
-            <a:endParaRPr lang="en-US" altLang="zh-TW" sz="5400" b="1" dirty="0">
+            <a:endParaRPr lang="en-US" altLang="zh-TW" sz="6400" b="1" dirty="0">
               <a:solidFill>
                 <a:srgbClr val="660033"/>
               </a:solidFill>
@@ -3728,12 +3863,65 @@
               <a:ea typeface="微軟正黑體" pitchFamily="34" charset="-120"/>
             </a:endParaRPr>
           </a:p>
+        </p:txBody>
+      </p:sp>
+    </p:spTree>
+    <p:extLst>
+      <p:ext uri="{BB962C8B-B14F-4D97-AF65-F5344CB8AC3E}">
+        <p14:creationId xmlns:p14="http://schemas.microsoft.com/office/powerpoint/2010/main" val="1904373315"/>
+      </p:ext>
+    </p:extLst>
+  </p:cSld>
+  <p:clrMapOvr>
+    <a:masterClrMapping/>
+  </p:clrMapOvr>
+</p:sld>
+</file>
+
+<file path=ppt/slides/slide9.xml><?xml version="1.0" encoding="utf-8"?>
+<p:sld xmlns:a="http://schemas.openxmlformats.org/drawingml/2006/main" xmlns:r="http://schemas.openxmlformats.org/officeDocument/2006/relationships" xmlns:p="http://schemas.openxmlformats.org/presentationml/2006/main">
+  <p:cSld>
+    <p:spTree>
+      <p:nvGrpSpPr>
+        <p:cNvPr id="1" name=""/>
+        <p:cNvGrpSpPr/>
+        <p:nvPr/>
+      </p:nvGrpSpPr>
+      <p:grpSpPr>
+        <a:xfrm>
+          <a:off x="0" y="0"/>
+          <a:ext cx="0" cy="0"/>
+          <a:chOff x="0" y="0"/>
+          <a:chExt cx="0" cy="0"/>
+        </a:xfrm>
+      </p:grpSpPr>
+      <p:sp>
+        <p:nvSpPr>
+          <p:cNvPr id="5" name="內容版面配置區 4"/>
+          <p:cNvSpPr>
+            <a:spLocks noGrp="1"/>
+          </p:cNvSpPr>
+          <p:nvPr>
+            <p:ph idx="1"/>
+          </p:nvPr>
+        </p:nvSpPr>
+        <p:spPr>
+          <a:xfrm>
+            <a:off x="0" y="2084851"/>
+            <a:ext cx="12192000" cy="2404863"/>
+          </a:xfrm>
+        </p:spPr>
+        <p:txBody>
+          <a:bodyPr anchor="ctr">
+            <a:normAutofit/>
+          </a:bodyPr>
+          <a:lstStyle/>
           <a:p>
             <a:pPr algn="ctr">
               <a:buNone/>
             </a:pPr>
             <a:r>
-              <a:rPr lang="zh-TW" altLang="en-US" sz="5400" b="1" dirty="0">
+              <a:rPr lang="zh-TW" altLang="en-US" sz="6400" b="1" dirty="0">
                 <a:solidFill>
                   <a:srgbClr val="660033"/>
                 </a:solidFill>
@@ -3742,10 +3930,22 @@
               </a:rPr>
               <a:t>一生一世腳步不離</a:t>
             </a:r>
+            <a:endParaRPr lang="zh-TW" altLang="en-US" sz="6400" b="1" dirty="0">
+              <a:solidFill>
+                <a:srgbClr val="660033"/>
+              </a:solidFill>
+              <a:latin typeface="微軟正黑體" pitchFamily="34" charset="-120"/>
+              <a:ea typeface="微軟正黑體" pitchFamily="34" charset="-120"/>
+            </a:endParaRPr>
           </a:p>
         </p:txBody>
       </p:sp>
     </p:spTree>
+    <p:extLst>
+      <p:ext uri="{BB962C8B-B14F-4D97-AF65-F5344CB8AC3E}">
+        <p14:creationId xmlns:p14="http://schemas.microsoft.com/office/powerpoint/2010/main" val="3754729219"/>
+      </p:ext>
+    </p:extLst>
   </p:cSld>
   <p:clrMapOvr>
     <a:masterClrMapping/>

--- a/全然向你(崇拜版).pptx
+++ b/全然向你(崇拜版).pptx
@@ -312,7 +312,7 @@
           <a:p>
             <a:fld id="{90E6F053-0252-461E-AE20-312307FEBCCD}" type="datetimeFigureOut">
               <a:rPr lang="zh-TW" altLang="en-US" smtClean="0"/>
-              <a:t>2020/12/4</a:t>
+              <a:t>2022/9/17</a:t>
             </a:fld>
             <a:endParaRPr lang="zh-TW" altLang="en-US"/>
           </a:p>
@@ -477,7 +477,7 @@
           <a:p>
             <a:fld id="{90E6F053-0252-461E-AE20-312307FEBCCD}" type="datetimeFigureOut">
               <a:rPr lang="zh-TW" altLang="en-US" smtClean="0"/>
-              <a:t>2020/12/4</a:t>
+              <a:t>2022/9/17</a:t>
             </a:fld>
             <a:endParaRPr lang="zh-TW" altLang="en-US"/>
           </a:p>
@@ -652,7 +652,7 @@
           <a:p>
             <a:fld id="{90E6F053-0252-461E-AE20-312307FEBCCD}" type="datetimeFigureOut">
               <a:rPr lang="zh-TW" altLang="en-US" smtClean="0"/>
-              <a:t>2020/12/4</a:t>
+              <a:t>2022/9/17</a:t>
             </a:fld>
             <a:endParaRPr lang="zh-TW" altLang="en-US"/>
           </a:p>
@@ -817,7 +817,7 @@
           <a:p>
             <a:fld id="{90E6F053-0252-461E-AE20-312307FEBCCD}" type="datetimeFigureOut">
               <a:rPr lang="zh-TW" altLang="en-US" smtClean="0"/>
-              <a:t>2020/12/4</a:t>
+              <a:t>2022/9/17</a:t>
             </a:fld>
             <a:endParaRPr lang="zh-TW" altLang="en-US"/>
           </a:p>
@@ -1058,7 +1058,7 @@
           <a:p>
             <a:fld id="{90E6F053-0252-461E-AE20-312307FEBCCD}" type="datetimeFigureOut">
               <a:rPr lang="zh-TW" altLang="en-US" smtClean="0"/>
-              <a:t>2020/12/4</a:t>
+              <a:t>2022/9/17</a:t>
             </a:fld>
             <a:endParaRPr lang="zh-TW" altLang="en-US"/>
           </a:p>
@@ -1341,7 +1341,7 @@
           <a:p>
             <a:fld id="{90E6F053-0252-461E-AE20-312307FEBCCD}" type="datetimeFigureOut">
               <a:rPr lang="zh-TW" altLang="en-US" smtClean="0"/>
-              <a:t>2020/12/4</a:t>
+              <a:t>2022/9/17</a:t>
             </a:fld>
             <a:endParaRPr lang="zh-TW" altLang="en-US"/>
           </a:p>
@@ -1758,7 +1758,7 @@
           <a:p>
             <a:fld id="{90E6F053-0252-461E-AE20-312307FEBCCD}" type="datetimeFigureOut">
               <a:rPr lang="zh-TW" altLang="en-US" smtClean="0"/>
-              <a:t>2020/12/4</a:t>
+              <a:t>2022/9/17</a:t>
             </a:fld>
             <a:endParaRPr lang="zh-TW" altLang="en-US"/>
           </a:p>
@@ -1871,7 +1871,7 @@
           <a:p>
             <a:fld id="{90E6F053-0252-461E-AE20-312307FEBCCD}" type="datetimeFigureOut">
               <a:rPr lang="zh-TW" altLang="en-US" smtClean="0"/>
-              <a:t>2020/12/4</a:t>
+              <a:t>2022/9/17</a:t>
             </a:fld>
             <a:endParaRPr lang="zh-TW" altLang="en-US"/>
           </a:p>
@@ -1961,7 +1961,7 @@
           <a:p>
             <a:fld id="{90E6F053-0252-461E-AE20-312307FEBCCD}" type="datetimeFigureOut">
               <a:rPr lang="zh-TW" altLang="en-US" smtClean="0"/>
-              <a:t>2020/12/4</a:t>
+              <a:t>2022/9/17</a:t>
             </a:fld>
             <a:endParaRPr lang="zh-TW" altLang="en-US"/>
           </a:p>
@@ -2233,7 +2233,7 @@
           <a:p>
             <a:fld id="{90E6F053-0252-461E-AE20-312307FEBCCD}" type="datetimeFigureOut">
               <a:rPr lang="zh-TW" altLang="en-US" smtClean="0"/>
-              <a:t>2020/12/4</a:t>
+              <a:t>2022/9/17</a:t>
             </a:fld>
             <a:endParaRPr lang="zh-TW" altLang="en-US"/>
           </a:p>
@@ -2485,7 +2485,7 @@
           <a:p>
             <a:fld id="{90E6F053-0252-461E-AE20-312307FEBCCD}" type="datetimeFigureOut">
               <a:rPr lang="zh-TW" altLang="en-US" smtClean="0"/>
-              <a:t>2020/12/4</a:t>
+              <a:t>2022/9/17</a:t>
             </a:fld>
             <a:endParaRPr lang="zh-TW" altLang="en-US"/>
           </a:p>
@@ -2698,7 +2698,7 @@
           <a:p>
             <a:fld id="{90E6F053-0252-461E-AE20-312307FEBCCD}" type="datetimeFigureOut">
               <a:rPr lang="zh-TW" altLang="en-US" smtClean="0"/>
-              <a:t>2020/12/4</a:t>
+              <a:t>2022/9/17</a:t>
             </a:fld>
             <a:endParaRPr lang="zh-TW" altLang="en-US"/>
           </a:p>
@@ -3105,24 +3105,7 @@
                 <a:latin typeface="微軟正黑體" pitchFamily="34" charset="-120"/>
                 <a:ea typeface="微軟正黑體" pitchFamily="34" charset="-120"/>
               </a:rPr>
-              <a:t>全</a:t>
-            </a:r>
-            <a:r>
-              <a:rPr lang="zh-TW" altLang="en-US" sz="7200" b="1" i="1" dirty="0">
-                <a:solidFill>
-                  <a:srgbClr val="660033"/>
-                </a:solidFill>
-                <a:effectLst>
-                  <a:outerShdw blurRad="38100" dist="38100" dir="2700000" algn="tl">
-                    <a:srgbClr val="000000">
-                      <a:alpha val="43137"/>
-                    </a:srgbClr>
-                  </a:outerShdw>
-                </a:effectLst>
-                <a:latin typeface="微軟正黑體" pitchFamily="34" charset="-120"/>
-                <a:ea typeface="微軟正黑體" pitchFamily="34" charset="-120"/>
-              </a:rPr>
-              <a:t>然向</a:t>
+              <a:t>全然向</a:t>
             </a:r>
             <a:r>
               <a:rPr lang="zh-CN" altLang="en-US" sz="7200" b="1" i="1" dirty="0">
@@ -3265,6 +3248,68 @@
           </a:p>
         </p:txBody>
       </p:sp>
+      <p:sp>
+        <p:nvSpPr>
+          <p:cNvPr id="3" name="TextBox 2"/>
+          <p:cNvSpPr txBox="1"/>
+          <p:nvPr/>
+        </p:nvSpPr>
+        <p:spPr>
+          <a:xfrm>
+            <a:off x="11765" y="5157192"/>
+            <a:ext cx="12180235" cy="646331"/>
+          </a:xfrm>
+          <a:prstGeom prst="rect">
+            <a:avLst/>
+          </a:prstGeom>
+          <a:noFill/>
+        </p:spPr>
+        <p:txBody>
+          <a:bodyPr wrap="square" rtlCol="0">
+            <a:spAutoFit/>
+          </a:bodyPr>
+          <a:lstStyle/>
+          <a:p>
+            <a:pPr algn="ctr"/>
+            <a:r>
+              <a:rPr lang="en-US" sz="3600" b="1" dirty="0" smtClean="0">
+                <a:solidFill>
+                  <a:srgbClr val="660033"/>
+                </a:solidFill>
+                <a:latin typeface="Microsoft JhengHei" panose="020B0604030504040204" pitchFamily="34" charset="-120"/>
+                <a:ea typeface="Microsoft JhengHei" panose="020B0604030504040204" pitchFamily="34" charset="-120"/>
+              </a:rPr>
+              <a:t>( </a:t>
+            </a:r>
+            <a:r>
+              <a:rPr lang="zh-CN" altLang="en-US" sz="3600" b="1" dirty="0" smtClean="0">
+                <a:solidFill>
+                  <a:srgbClr val="660033"/>
+                </a:solidFill>
+                <a:latin typeface="Microsoft JhengHei" panose="020B0604030504040204" pitchFamily="34" charset="-120"/>
+                <a:ea typeface="Microsoft JhengHei" panose="020B0604030504040204" pitchFamily="34" charset="-120"/>
+              </a:rPr>
+              <a:t>正</a:t>
+            </a:r>
+            <a:r>
+              <a:rPr lang="en-US" sz="3600" b="1" dirty="0" smtClean="0">
+                <a:solidFill>
+                  <a:srgbClr val="660033"/>
+                </a:solidFill>
+                <a:latin typeface="Microsoft JhengHei" panose="020B0604030504040204" pitchFamily="34" charset="-120"/>
+                <a:ea typeface="Microsoft JhengHei" panose="020B0604030504040204" pitchFamily="34" charset="-120"/>
+              </a:rPr>
+              <a:t> )</a:t>
+            </a:r>
+            <a:endParaRPr lang="vi-VN" sz="3600" b="1" dirty="0">
+              <a:solidFill>
+                <a:srgbClr val="660033"/>
+              </a:solidFill>
+              <a:ea typeface="Microsoft JhengHei" panose="020B0604030504040204" pitchFamily="34" charset="-120"/>
+            </a:endParaRPr>
+          </a:p>
+        </p:txBody>
+      </p:sp>
     </p:spTree>
     <p:extLst>
       <p:ext uri="{BB962C8B-B14F-4D97-AF65-F5344CB8AC3E}">
@@ -3352,12 +3397,67 @@
               </a:rPr>
               <a:t>我的靈不再封閉</a:t>
             </a:r>
-            <a:endParaRPr lang="zh-TW" altLang="en-US" sz="6400" b="1" dirty="0">
+          </a:p>
+        </p:txBody>
+      </p:sp>
+      <p:sp>
+        <p:nvSpPr>
+          <p:cNvPr id="3" name="TextBox 2"/>
+          <p:cNvSpPr txBox="1"/>
+          <p:nvPr/>
+        </p:nvSpPr>
+        <p:spPr>
+          <a:xfrm>
+            <a:off x="11765" y="5157192"/>
+            <a:ext cx="12180235" cy="646331"/>
+          </a:xfrm>
+          <a:prstGeom prst="rect">
+            <a:avLst/>
+          </a:prstGeom>
+          <a:noFill/>
+        </p:spPr>
+        <p:txBody>
+          <a:bodyPr wrap="square" rtlCol="0">
+            <a:spAutoFit/>
+          </a:bodyPr>
+          <a:lstStyle/>
+          <a:p>
+            <a:pPr algn="ctr"/>
+            <a:r>
+              <a:rPr lang="en-US" sz="3600" b="1" dirty="0" smtClean="0">
+                <a:solidFill>
+                  <a:srgbClr val="660033"/>
+                </a:solidFill>
+                <a:latin typeface="Microsoft JhengHei" panose="020B0604030504040204" pitchFamily="34" charset="-120"/>
+                <a:ea typeface="Microsoft JhengHei" panose="020B0604030504040204" pitchFamily="34" charset="-120"/>
+              </a:rPr>
+              <a:t>( </a:t>
+            </a:r>
+            <a:r>
+              <a:rPr lang="zh-CN" altLang="en-US" sz="3600" b="1" dirty="0" smtClean="0">
+                <a:solidFill>
+                  <a:srgbClr val="660033"/>
+                </a:solidFill>
+                <a:latin typeface="Microsoft JhengHei" panose="020B0604030504040204" pitchFamily="34" charset="-120"/>
+                <a:ea typeface="Microsoft JhengHei" panose="020B0604030504040204" pitchFamily="34" charset="-120"/>
+              </a:rPr>
+              <a:t>正</a:t>
+            </a:r>
+            <a:r>
+              <a:rPr lang="en-US" sz="3600" b="1" dirty="0" smtClean="0">
+                <a:solidFill>
+                  <a:srgbClr val="660033"/>
+                </a:solidFill>
+                <a:latin typeface="Microsoft JhengHei" panose="020B0604030504040204" pitchFamily="34" charset="-120"/>
+                <a:ea typeface="Microsoft JhengHei" panose="020B0604030504040204" pitchFamily="34" charset="-120"/>
+              </a:rPr>
+              <a:t> )</a:t>
+            </a:r>
+            <a:endParaRPr lang="vi-VN" sz="3600" b="1" dirty="0">
               <a:solidFill>
                 <a:srgbClr val="660033"/>
               </a:solidFill>
-              <a:latin typeface="微軟正黑體" pitchFamily="34" charset="-120"/>
-              <a:ea typeface="微軟正黑體" pitchFamily="34" charset="-120"/>
+              <a:ea typeface="Microsoft JhengHei" panose="020B0604030504040204" pitchFamily="34" charset="-120"/>
             </a:endParaRPr>
           </a:p>
         </p:txBody>
@@ -3459,6 +3559,68 @@
           </a:p>
         </p:txBody>
       </p:sp>
+      <p:sp>
+        <p:nvSpPr>
+          <p:cNvPr id="3" name="TextBox 2"/>
+          <p:cNvSpPr txBox="1"/>
+          <p:nvPr/>
+        </p:nvSpPr>
+        <p:spPr>
+          <a:xfrm>
+            <a:off x="11765" y="5157192"/>
+            <a:ext cx="12180235" cy="646331"/>
+          </a:xfrm>
+          <a:prstGeom prst="rect">
+            <a:avLst/>
+          </a:prstGeom>
+          <a:noFill/>
+        </p:spPr>
+        <p:txBody>
+          <a:bodyPr wrap="square" rtlCol="0">
+            <a:spAutoFit/>
+          </a:bodyPr>
+          <a:lstStyle/>
+          <a:p>
+            <a:pPr algn="ctr"/>
+            <a:r>
+              <a:rPr lang="en-US" sz="3600" b="1" dirty="0" smtClean="0">
+                <a:solidFill>
+                  <a:srgbClr val="660033"/>
+                </a:solidFill>
+                <a:latin typeface="Microsoft JhengHei" panose="020B0604030504040204" pitchFamily="34" charset="-120"/>
+                <a:ea typeface="Microsoft JhengHei" panose="020B0604030504040204" pitchFamily="34" charset="-120"/>
+              </a:rPr>
+              <a:t>( </a:t>
+            </a:r>
+            <a:r>
+              <a:rPr lang="zh-CN" altLang="en-US" sz="3600" b="1" dirty="0" smtClean="0">
+                <a:solidFill>
+                  <a:srgbClr val="660033"/>
+                </a:solidFill>
+                <a:latin typeface="Microsoft JhengHei" panose="020B0604030504040204" pitchFamily="34" charset="-120"/>
+                <a:ea typeface="Microsoft JhengHei" panose="020B0604030504040204" pitchFamily="34" charset="-120"/>
+              </a:rPr>
+              <a:t>正</a:t>
+            </a:r>
+            <a:r>
+              <a:rPr lang="en-US" sz="3600" b="1" dirty="0" smtClean="0">
+                <a:solidFill>
+                  <a:srgbClr val="660033"/>
+                </a:solidFill>
+                <a:latin typeface="Microsoft JhengHei" panose="020B0604030504040204" pitchFamily="34" charset="-120"/>
+                <a:ea typeface="Microsoft JhengHei" panose="020B0604030504040204" pitchFamily="34" charset="-120"/>
+              </a:rPr>
+              <a:t> )</a:t>
+            </a:r>
+            <a:endParaRPr lang="vi-VN" sz="3600" b="1" dirty="0">
+              <a:solidFill>
+                <a:srgbClr val="660033"/>
+              </a:solidFill>
+              <a:ea typeface="Microsoft JhengHei" panose="020B0604030504040204" pitchFamily="34" charset="-120"/>
+            </a:endParaRPr>
+          </a:p>
+        </p:txBody>
+      </p:sp>
     </p:spTree>
     <p:extLst>
       <p:ext uri="{BB962C8B-B14F-4D97-AF65-F5344CB8AC3E}">
@@ -3546,12 +3708,67 @@
               </a:rPr>
               <a:t>心中的暖流冉冉升起</a:t>
             </a:r>
-            <a:endParaRPr lang="zh-TW" altLang="en-US" sz="6400" b="1" dirty="0">
+          </a:p>
+        </p:txBody>
+      </p:sp>
+      <p:sp>
+        <p:nvSpPr>
+          <p:cNvPr id="3" name="TextBox 2"/>
+          <p:cNvSpPr txBox="1"/>
+          <p:nvPr/>
+        </p:nvSpPr>
+        <p:spPr>
+          <a:xfrm>
+            <a:off x="11765" y="5157192"/>
+            <a:ext cx="12180235" cy="646331"/>
+          </a:xfrm>
+          <a:prstGeom prst="rect">
+            <a:avLst/>
+          </a:prstGeom>
+          <a:noFill/>
+        </p:spPr>
+        <p:txBody>
+          <a:bodyPr wrap="square" rtlCol="0">
+            <a:spAutoFit/>
+          </a:bodyPr>
+          <a:lstStyle/>
+          <a:p>
+            <a:pPr algn="ctr"/>
+            <a:r>
+              <a:rPr lang="en-US" sz="3600" b="1" dirty="0" smtClean="0">
+                <a:solidFill>
+                  <a:srgbClr val="660033"/>
+                </a:solidFill>
+                <a:latin typeface="Microsoft JhengHei" panose="020B0604030504040204" pitchFamily="34" charset="-120"/>
+                <a:ea typeface="Microsoft JhengHei" panose="020B0604030504040204" pitchFamily="34" charset="-120"/>
+              </a:rPr>
+              <a:t>( </a:t>
+            </a:r>
+            <a:r>
+              <a:rPr lang="zh-CN" altLang="en-US" sz="3600" b="1" dirty="0" smtClean="0">
+                <a:solidFill>
+                  <a:srgbClr val="660033"/>
+                </a:solidFill>
+                <a:latin typeface="Microsoft JhengHei" panose="020B0604030504040204" pitchFamily="34" charset="-120"/>
+                <a:ea typeface="Microsoft JhengHei" panose="020B0604030504040204" pitchFamily="34" charset="-120"/>
+              </a:rPr>
+              <a:t>正</a:t>
+            </a:r>
+            <a:r>
+              <a:rPr lang="en-US" sz="3600" b="1" dirty="0" smtClean="0">
+                <a:solidFill>
+                  <a:srgbClr val="660033"/>
+                </a:solidFill>
+                <a:latin typeface="Microsoft JhengHei" panose="020B0604030504040204" pitchFamily="34" charset="-120"/>
+                <a:ea typeface="Microsoft JhengHei" panose="020B0604030504040204" pitchFamily="34" charset="-120"/>
+              </a:rPr>
+              <a:t> )</a:t>
+            </a:r>
+            <a:endParaRPr lang="vi-VN" sz="3600" b="1" dirty="0">
               <a:solidFill>
                 <a:srgbClr val="660033"/>
               </a:solidFill>
-              <a:latin typeface="微軟正黑體" pitchFamily="34" charset="-120"/>
-              <a:ea typeface="微軟正黑體" pitchFamily="34" charset="-120"/>
+              <a:ea typeface="Microsoft JhengHei" panose="020B0604030504040204" pitchFamily="34" charset="-120"/>
             </a:endParaRPr>
           </a:p>
         </p:txBody>
@@ -3673,6 +3890,78 @@
           </a:p>
         </p:txBody>
       </p:sp>
+      <p:sp>
+        <p:nvSpPr>
+          <p:cNvPr id="3" name="TextBox 2"/>
+          <p:cNvSpPr txBox="1"/>
+          <p:nvPr/>
+        </p:nvSpPr>
+        <p:spPr>
+          <a:xfrm>
+            <a:off x="11765" y="5157192"/>
+            <a:ext cx="12180235" cy="646331"/>
+          </a:xfrm>
+          <a:prstGeom prst="rect">
+            <a:avLst/>
+          </a:prstGeom>
+          <a:noFill/>
+        </p:spPr>
+        <p:txBody>
+          <a:bodyPr wrap="square" rtlCol="0">
+            <a:spAutoFit/>
+          </a:bodyPr>
+          <a:lstStyle/>
+          <a:p>
+            <a:pPr algn="ctr"/>
+            <a:r>
+              <a:rPr lang="en-US" sz="3600" b="1" dirty="0" smtClean="0">
+                <a:solidFill>
+                  <a:srgbClr val="660033"/>
+                </a:solidFill>
+                <a:latin typeface="Microsoft JhengHei" panose="020B0604030504040204" pitchFamily="34" charset="-120"/>
+                <a:ea typeface="Microsoft JhengHei" panose="020B0604030504040204" pitchFamily="34" charset="-120"/>
+              </a:rPr>
+              <a:t>( </a:t>
+            </a:r>
+            <a:r>
+              <a:rPr lang="zh-CN" altLang="en-US" sz="3600" b="1" dirty="0" smtClean="0">
+                <a:solidFill>
+                  <a:srgbClr val="660033"/>
+                </a:solidFill>
+                <a:latin typeface="Microsoft JhengHei" panose="020B0604030504040204" pitchFamily="34" charset="-120"/>
+                <a:ea typeface="Microsoft JhengHei" panose="020B0604030504040204" pitchFamily="34" charset="-120"/>
+              </a:rPr>
+              <a:t>副</a:t>
+            </a:r>
+            <a:r>
+              <a:rPr lang="en-US" sz="3600" b="1" dirty="0" smtClean="0">
+                <a:solidFill>
+                  <a:srgbClr val="660033"/>
+                </a:solidFill>
+                <a:latin typeface="Microsoft JhengHei" panose="020B0604030504040204" pitchFamily="34" charset="-120"/>
+                <a:ea typeface="Microsoft JhengHei" panose="020B0604030504040204" pitchFamily="34" charset="-120"/>
+              </a:rPr>
+              <a:t> </a:t>
+            </a:r>
+            <a:r>
+              <a:rPr lang="en-US" sz="3600" b="1" dirty="0" smtClean="0">
+                <a:solidFill>
+                  <a:srgbClr val="660033"/>
+                </a:solidFill>
+                <a:latin typeface="Microsoft JhengHei" panose="020B0604030504040204" pitchFamily="34" charset="-120"/>
+                <a:ea typeface="Microsoft JhengHei" panose="020B0604030504040204" pitchFamily="34" charset="-120"/>
+              </a:rPr>
+              <a:t>)</a:t>
+            </a:r>
+            <a:endParaRPr lang="vi-VN" sz="3600" b="1" dirty="0">
+              <a:solidFill>
+                <a:srgbClr val="660033"/>
+              </a:solidFill>
+              <a:ea typeface="Microsoft JhengHei" panose="020B0604030504040204" pitchFamily="34" charset="-120"/>
+            </a:endParaRPr>
+          </a:p>
+        </p:txBody>
+      </p:sp>
     </p:spTree>
     <p:extLst>
       <p:ext uri="{BB962C8B-B14F-4D97-AF65-F5344CB8AC3E}">
@@ -3748,6 +4037,78 @@
           </a:p>
         </p:txBody>
       </p:sp>
+      <p:sp>
+        <p:nvSpPr>
+          <p:cNvPr id="3" name="TextBox 2"/>
+          <p:cNvSpPr txBox="1"/>
+          <p:nvPr/>
+        </p:nvSpPr>
+        <p:spPr>
+          <a:xfrm>
+            <a:off x="11765" y="5157192"/>
+            <a:ext cx="12180235" cy="646331"/>
+          </a:xfrm>
+          <a:prstGeom prst="rect">
+            <a:avLst/>
+          </a:prstGeom>
+          <a:noFill/>
+        </p:spPr>
+        <p:txBody>
+          <a:bodyPr wrap="square" rtlCol="0">
+            <a:spAutoFit/>
+          </a:bodyPr>
+          <a:lstStyle/>
+          <a:p>
+            <a:pPr algn="ctr"/>
+            <a:r>
+              <a:rPr lang="en-US" sz="3600" b="1" dirty="0" smtClean="0">
+                <a:solidFill>
+                  <a:srgbClr val="660033"/>
+                </a:solidFill>
+                <a:latin typeface="Microsoft JhengHei" panose="020B0604030504040204" pitchFamily="34" charset="-120"/>
+                <a:ea typeface="Microsoft JhengHei" panose="020B0604030504040204" pitchFamily="34" charset="-120"/>
+              </a:rPr>
+              <a:t>( </a:t>
+            </a:r>
+            <a:r>
+              <a:rPr lang="zh-CN" altLang="en-US" sz="3600" b="1" dirty="0" smtClean="0">
+                <a:solidFill>
+                  <a:srgbClr val="660033"/>
+                </a:solidFill>
+                <a:latin typeface="Microsoft JhengHei" panose="020B0604030504040204" pitchFamily="34" charset="-120"/>
+                <a:ea typeface="Microsoft JhengHei" panose="020B0604030504040204" pitchFamily="34" charset="-120"/>
+              </a:rPr>
+              <a:t>副</a:t>
+            </a:r>
+            <a:r>
+              <a:rPr lang="en-US" sz="3600" b="1" dirty="0" smtClean="0">
+                <a:solidFill>
+                  <a:srgbClr val="660033"/>
+                </a:solidFill>
+                <a:latin typeface="Microsoft JhengHei" panose="020B0604030504040204" pitchFamily="34" charset="-120"/>
+                <a:ea typeface="Microsoft JhengHei" panose="020B0604030504040204" pitchFamily="34" charset="-120"/>
+              </a:rPr>
+              <a:t> </a:t>
+            </a:r>
+            <a:r>
+              <a:rPr lang="en-US" sz="3600" b="1" dirty="0" smtClean="0">
+                <a:solidFill>
+                  <a:srgbClr val="660033"/>
+                </a:solidFill>
+                <a:latin typeface="Microsoft JhengHei" panose="020B0604030504040204" pitchFamily="34" charset="-120"/>
+                <a:ea typeface="Microsoft JhengHei" panose="020B0604030504040204" pitchFamily="34" charset="-120"/>
+              </a:rPr>
+              <a:t>)</a:t>
+            </a:r>
+            <a:endParaRPr lang="vi-VN" sz="3600" b="1" dirty="0">
+              <a:solidFill>
+                <a:srgbClr val="660033"/>
+              </a:solidFill>
+              <a:ea typeface="Microsoft JhengHei" panose="020B0604030504040204" pitchFamily="34" charset="-120"/>
+            </a:endParaRPr>
+          </a:p>
+        </p:txBody>
+      </p:sp>
     </p:spTree>
     <p:extLst>
       <p:ext uri="{BB962C8B-B14F-4D97-AF65-F5344CB8AC3E}">
@@ -3865,6 +4226,78 @@
           </a:p>
         </p:txBody>
       </p:sp>
+      <p:sp>
+        <p:nvSpPr>
+          <p:cNvPr id="3" name="TextBox 2"/>
+          <p:cNvSpPr txBox="1"/>
+          <p:nvPr/>
+        </p:nvSpPr>
+        <p:spPr>
+          <a:xfrm>
+            <a:off x="11765" y="5157192"/>
+            <a:ext cx="12180235" cy="646331"/>
+          </a:xfrm>
+          <a:prstGeom prst="rect">
+            <a:avLst/>
+          </a:prstGeom>
+          <a:noFill/>
+        </p:spPr>
+        <p:txBody>
+          <a:bodyPr wrap="square" rtlCol="0">
+            <a:spAutoFit/>
+          </a:bodyPr>
+          <a:lstStyle/>
+          <a:p>
+            <a:pPr algn="ctr"/>
+            <a:r>
+              <a:rPr lang="en-US" sz="3600" b="1" dirty="0" smtClean="0">
+                <a:solidFill>
+                  <a:srgbClr val="660033"/>
+                </a:solidFill>
+                <a:latin typeface="Microsoft JhengHei" panose="020B0604030504040204" pitchFamily="34" charset="-120"/>
+                <a:ea typeface="Microsoft JhengHei" panose="020B0604030504040204" pitchFamily="34" charset="-120"/>
+              </a:rPr>
+              <a:t>( </a:t>
+            </a:r>
+            <a:r>
+              <a:rPr lang="zh-CN" altLang="en-US" sz="3600" b="1" dirty="0" smtClean="0">
+                <a:solidFill>
+                  <a:srgbClr val="660033"/>
+                </a:solidFill>
+                <a:latin typeface="Microsoft JhengHei" panose="020B0604030504040204" pitchFamily="34" charset="-120"/>
+                <a:ea typeface="Microsoft JhengHei" panose="020B0604030504040204" pitchFamily="34" charset="-120"/>
+              </a:rPr>
+              <a:t>副</a:t>
+            </a:r>
+            <a:r>
+              <a:rPr lang="en-US" sz="3600" b="1" dirty="0" smtClean="0">
+                <a:solidFill>
+                  <a:srgbClr val="660033"/>
+                </a:solidFill>
+                <a:latin typeface="Microsoft JhengHei" panose="020B0604030504040204" pitchFamily="34" charset="-120"/>
+                <a:ea typeface="Microsoft JhengHei" panose="020B0604030504040204" pitchFamily="34" charset="-120"/>
+              </a:rPr>
+              <a:t> </a:t>
+            </a:r>
+            <a:r>
+              <a:rPr lang="en-US" sz="3600" b="1" dirty="0" smtClean="0">
+                <a:solidFill>
+                  <a:srgbClr val="660033"/>
+                </a:solidFill>
+                <a:latin typeface="Microsoft JhengHei" panose="020B0604030504040204" pitchFamily="34" charset="-120"/>
+                <a:ea typeface="Microsoft JhengHei" panose="020B0604030504040204" pitchFamily="34" charset="-120"/>
+              </a:rPr>
+              <a:t>)</a:t>
+            </a:r>
+            <a:endParaRPr lang="vi-VN" sz="3600" b="1" dirty="0">
+              <a:solidFill>
+                <a:srgbClr val="660033"/>
+              </a:solidFill>
+              <a:ea typeface="Microsoft JhengHei" panose="020B0604030504040204" pitchFamily="34" charset="-120"/>
+            </a:endParaRPr>
+          </a:p>
+        </p:txBody>
+      </p:sp>
     </p:spTree>
     <p:extLst>
       <p:ext uri="{BB962C8B-B14F-4D97-AF65-F5344CB8AC3E}">
@@ -3930,12 +4363,77 @@
               </a:rPr>
               <a:t>一生一世腳步不離</a:t>
             </a:r>
-            <a:endParaRPr lang="zh-TW" altLang="en-US" sz="6400" b="1" dirty="0">
+          </a:p>
+        </p:txBody>
+      </p:sp>
+      <p:sp>
+        <p:nvSpPr>
+          <p:cNvPr id="3" name="TextBox 2"/>
+          <p:cNvSpPr txBox="1"/>
+          <p:nvPr/>
+        </p:nvSpPr>
+        <p:spPr>
+          <a:xfrm>
+            <a:off x="11765" y="5157192"/>
+            <a:ext cx="12180235" cy="646331"/>
+          </a:xfrm>
+          <a:prstGeom prst="rect">
+            <a:avLst/>
+          </a:prstGeom>
+          <a:noFill/>
+        </p:spPr>
+        <p:txBody>
+          <a:bodyPr wrap="square" rtlCol="0">
+            <a:spAutoFit/>
+          </a:bodyPr>
+          <a:lstStyle/>
+          <a:p>
+            <a:pPr algn="ctr"/>
+            <a:r>
+              <a:rPr lang="en-US" sz="3600" b="1" dirty="0" smtClean="0">
+                <a:solidFill>
+                  <a:srgbClr val="660033"/>
+                </a:solidFill>
+                <a:latin typeface="Microsoft JhengHei" panose="020B0604030504040204" pitchFamily="34" charset="-120"/>
+                <a:ea typeface="Microsoft JhengHei" panose="020B0604030504040204" pitchFamily="34" charset="-120"/>
+              </a:rPr>
+              <a:t>( </a:t>
+            </a:r>
+            <a:r>
+              <a:rPr lang="zh-CN" altLang="en-US" sz="3600" b="1" dirty="0" smtClean="0">
+                <a:solidFill>
+                  <a:srgbClr val="660033"/>
+                </a:solidFill>
+                <a:latin typeface="Microsoft JhengHei" panose="020B0604030504040204" pitchFamily="34" charset="-120"/>
+                <a:ea typeface="Microsoft JhengHei" panose="020B0604030504040204" pitchFamily="34" charset="-120"/>
+              </a:rPr>
+              <a:t>副</a:t>
+            </a:r>
+            <a:r>
+              <a:rPr lang="en-US" sz="3600" b="1" dirty="0" smtClean="0">
+                <a:solidFill>
+                  <a:srgbClr val="660033"/>
+                </a:solidFill>
+                <a:latin typeface="Microsoft JhengHei" panose="020B0604030504040204" pitchFamily="34" charset="-120"/>
+                <a:ea typeface="Microsoft JhengHei" panose="020B0604030504040204" pitchFamily="34" charset="-120"/>
+              </a:rPr>
+              <a:t> </a:t>
+            </a:r>
+            <a:r>
+              <a:rPr lang="en-US" sz="3600" b="1" dirty="0" smtClean="0">
+                <a:solidFill>
+                  <a:srgbClr val="660033"/>
+                </a:solidFill>
+                <a:latin typeface="Microsoft JhengHei" panose="020B0604030504040204" pitchFamily="34" charset="-120"/>
+                <a:ea typeface="Microsoft JhengHei" panose="020B0604030504040204" pitchFamily="34" charset="-120"/>
+              </a:rPr>
+              <a:t>)</a:t>
+            </a:r>
+            <a:endParaRPr lang="vi-VN" sz="3600" b="1" dirty="0">
               <a:solidFill>
                 <a:srgbClr val="660033"/>
               </a:solidFill>
-              <a:latin typeface="微軟正黑體" pitchFamily="34" charset="-120"/>
-              <a:ea typeface="微軟正黑體" pitchFamily="34" charset="-120"/>
+              <a:ea typeface="Microsoft JhengHei" panose="020B0604030504040204" pitchFamily="34" charset="-120"/>
             </a:endParaRPr>
           </a:p>
         </p:txBody>
